--- a/IPVC-EI-TP1B-IS-Evidencias-24585_25343.pptx
+++ b/IPVC-EI-TP1B-IS-Evidencias-24585_25343.pptx
@@ -5,17 +5,19 @@
     <p:sldMasterId id="2147483648" r:id="rId1"/>
   </p:sldMasterIdLst>
   <p:notesMasterIdLst>
-    <p:notesMasterId r:id="rId7"/>
+    <p:notesMasterId r:id="rId9"/>
   </p:notesMasterIdLst>
   <p:handoutMasterIdLst>
-    <p:handoutMasterId r:id="rId8"/>
+    <p:handoutMasterId r:id="rId10"/>
   </p:handoutMasterIdLst>
   <p:sldIdLst>
     <p:sldId id="309" r:id="rId2"/>
     <p:sldId id="258" r:id="rId3"/>
     <p:sldId id="310" r:id="rId4"/>
-    <p:sldId id="278" r:id="rId5"/>
-    <p:sldId id="260" r:id="rId6"/>
+    <p:sldId id="311" r:id="rId5"/>
+    <p:sldId id="312" r:id="rId6"/>
+    <p:sldId id="278" r:id="rId7"/>
+    <p:sldId id="260" r:id="rId8"/>
   </p:sldIdLst>
   <p:sldSz cx="9144000" cy="6858000" type="screen4x3"/>
   <p:notesSz cx="7099300" cy="10234613"/>
@@ -891,6 +893,204 @@
               </a:rPr>
               <a:pPr/>
               <a:t>4</a:t>
+            </a:fld>
+            <a:endParaRPr lang="pt-PT">
+              <a:latin typeface="Arial" pitchFamily="34" charset="0"/>
+            </a:endParaRPr>
+          </a:p>
+        </p:txBody>
+      </p:sp>
+      <p:sp>
+        <p:nvSpPr>
+          <p:cNvPr id="93187" name="Rectangle 2"/>
+          <p:cNvSpPr>
+            <a:spLocks noGrp="1" noRot="1" noChangeAspect="1" noChangeArrowheads="1" noTextEdit="1"/>
+          </p:cNvSpPr>
+          <p:nvPr>
+            <p:ph type="sldImg"/>
+          </p:nvPr>
+        </p:nvSpPr>
+        <p:spPr>
+          <a:ln/>
+        </p:spPr>
+      </p:sp>
+      <p:sp>
+        <p:nvSpPr>
+          <p:cNvPr id="93188" name="Rectangle 3"/>
+          <p:cNvSpPr>
+            <a:spLocks noGrp="1" noChangeArrowheads="1"/>
+          </p:cNvSpPr>
+          <p:nvPr>
+            <p:ph type="body" idx="1"/>
+          </p:nvPr>
+        </p:nvSpPr>
+        <p:spPr>
+          <a:noFill/>
+          <a:ln/>
+        </p:spPr>
+        <p:txBody>
+          <a:bodyPr/>
+          <a:lstStyle/>
+          <a:p>
+            <a:pPr eaLnBrk="1" hangingPunct="1"/>
+            <a:endParaRPr lang="pt-PT">
+              <a:latin typeface="Arial" pitchFamily="34" charset="0"/>
+            </a:endParaRPr>
+          </a:p>
+        </p:txBody>
+      </p:sp>
+    </p:spTree>
+    <p:extLst>
+      <p:ext uri="{BB962C8B-B14F-4D97-AF65-F5344CB8AC3E}">
+        <p14:creationId xmlns:p14="http://schemas.microsoft.com/office/powerpoint/2010/main" val="3444710155"/>
+      </p:ext>
+    </p:extLst>
+  </p:cSld>
+  <p:clrMapOvr>
+    <a:masterClrMapping/>
+  </p:clrMapOvr>
+</p:notes>
+</file>
+
+<file path=ppt/notesSlides/notesSlide4.xml><?xml version="1.0" encoding="utf-8"?>
+<p:notes xmlns:a="http://schemas.openxmlformats.org/drawingml/2006/main" xmlns:r="http://schemas.openxmlformats.org/officeDocument/2006/relationships" xmlns:p="http://schemas.openxmlformats.org/presentationml/2006/main">
+  <p:cSld>
+    <p:spTree>
+      <p:nvGrpSpPr>
+        <p:cNvPr id="1" name=""/>
+        <p:cNvGrpSpPr/>
+        <p:nvPr/>
+      </p:nvGrpSpPr>
+      <p:grpSpPr>
+        <a:xfrm>
+          <a:off x="0" y="0"/>
+          <a:ext cx="0" cy="0"/>
+          <a:chOff x="0" y="0"/>
+          <a:chExt cx="0" cy="0"/>
+        </a:xfrm>
+      </p:grpSpPr>
+      <p:sp>
+        <p:nvSpPr>
+          <p:cNvPr id="93186" name="Rectangle 7"/>
+          <p:cNvSpPr>
+            <a:spLocks noGrp="1" noChangeArrowheads="1"/>
+          </p:cNvSpPr>
+          <p:nvPr>
+            <p:ph type="sldNum" sz="quarter" idx="5"/>
+          </p:nvPr>
+        </p:nvSpPr>
+        <p:spPr>
+          <a:noFill/>
+        </p:spPr>
+        <p:txBody>
+          <a:bodyPr/>
+          <a:lstStyle/>
+          <a:p>
+            <a:fld id="{497D1F5F-AB60-452E-AA79-64E25350F70B}" type="slidenum">
+              <a:rPr lang="pt-PT" smtClean="0">
+                <a:latin typeface="Arial" pitchFamily="34" charset="0"/>
+              </a:rPr>
+              <a:pPr/>
+              <a:t>5</a:t>
+            </a:fld>
+            <a:endParaRPr lang="pt-PT">
+              <a:latin typeface="Arial" pitchFamily="34" charset="0"/>
+            </a:endParaRPr>
+          </a:p>
+        </p:txBody>
+      </p:sp>
+      <p:sp>
+        <p:nvSpPr>
+          <p:cNvPr id="93187" name="Rectangle 2"/>
+          <p:cNvSpPr>
+            <a:spLocks noGrp="1" noRot="1" noChangeAspect="1" noChangeArrowheads="1" noTextEdit="1"/>
+          </p:cNvSpPr>
+          <p:nvPr>
+            <p:ph type="sldImg"/>
+          </p:nvPr>
+        </p:nvSpPr>
+        <p:spPr>
+          <a:ln/>
+        </p:spPr>
+      </p:sp>
+      <p:sp>
+        <p:nvSpPr>
+          <p:cNvPr id="93188" name="Rectangle 3"/>
+          <p:cNvSpPr>
+            <a:spLocks noGrp="1" noChangeArrowheads="1"/>
+          </p:cNvSpPr>
+          <p:nvPr>
+            <p:ph type="body" idx="1"/>
+          </p:nvPr>
+        </p:nvSpPr>
+        <p:spPr>
+          <a:noFill/>
+          <a:ln/>
+        </p:spPr>
+        <p:txBody>
+          <a:bodyPr/>
+          <a:lstStyle/>
+          <a:p>
+            <a:pPr eaLnBrk="1" hangingPunct="1"/>
+            <a:endParaRPr lang="pt-PT">
+              <a:latin typeface="Arial" pitchFamily="34" charset="0"/>
+            </a:endParaRPr>
+          </a:p>
+        </p:txBody>
+      </p:sp>
+    </p:spTree>
+    <p:extLst>
+      <p:ext uri="{BB962C8B-B14F-4D97-AF65-F5344CB8AC3E}">
+        <p14:creationId xmlns:p14="http://schemas.microsoft.com/office/powerpoint/2010/main" val="674328221"/>
+      </p:ext>
+    </p:extLst>
+  </p:cSld>
+  <p:clrMapOvr>
+    <a:masterClrMapping/>
+  </p:clrMapOvr>
+</p:notes>
+</file>
+
+<file path=ppt/notesSlides/notesSlide5.xml><?xml version="1.0" encoding="utf-8"?>
+<p:notes xmlns:a="http://schemas.openxmlformats.org/drawingml/2006/main" xmlns:r="http://schemas.openxmlformats.org/officeDocument/2006/relationships" xmlns:p="http://schemas.openxmlformats.org/presentationml/2006/main">
+  <p:cSld>
+    <p:spTree>
+      <p:nvGrpSpPr>
+        <p:cNvPr id="1" name=""/>
+        <p:cNvGrpSpPr/>
+        <p:nvPr/>
+      </p:nvGrpSpPr>
+      <p:grpSpPr>
+        <a:xfrm>
+          <a:off x="0" y="0"/>
+          <a:ext cx="0" cy="0"/>
+          <a:chOff x="0" y="0"/>
+          <a:chExt cx="0" cy="0"/>
+        </a:xfrm>
+      </p:grpSpPr>
+      <p:sp>
+        <p:nvSpPr>
+          <p:cNvPr id="93186" name="Rectangle 7"/>
+          <p:cNvSpPr>
+            <a:spLocks noGrp="1" noChangeArrowheads="1"/>
+          </p:cNvSpPr>
+          <p:nvPr>
+            <p:ph type="sldNum" sz="quarter" idx="5"/>
+          </p:nvPr>
+        </p:nvSpPr>
+        <p:spPr>
+          <a:noFill/>
+        </p:spPr>
+        <p:txBody>
+          <a:bodyPr/>
+          <a:lstStyle/>
+          <a:p>
+            <a:fld id="{497D1F5F-AB60-452E-AA79-64E25350F70B}" type="slidenum">
+              <a:rPr lang="pt-PT" smtClean="0">
+                <a:latin typeface="Arial" pitchFamily="34" charset="0"/>
+              </a:rPr>
+              <a:pPr/>
+              <a:t>6</a:t>
             </a:fld>
             <a:endParaRPr lang="pt-PT">
               <a:latin typeface="Arial" pitchFamily="34" charset="0"/>
@@ -7008,6 +7208,90 @@
       </p:grpSpPr>
       <p:sp>
         <p:nvSpPr>
+          <p:cNvPr id="10243" name="Text Box 10"/>
+          <p:cNvSpPr txBox="1">
+            <a:spLocks noChangeArrowheads="1"/>
+          </p:cNvSpPr>
+          <p:nvPr/>
+        </p:nvSpPr>
+        <p:spPr bwMode="auto">
+          <a:xfrm>
+            <a:off x="8288338" y="6296025"/>
+            <a:ext cx="827087" cy="366713"/>
+          </a:xfrm>
+          <a:prstGeom prst="rect">
+            <a:avLst/>
+          </a:prstGeom>
+          <a:noFill/>
+          <a:ln w="9525">
+            <a:noFill/>
+            <a:miter lim="800000"/>
+            <a:headEnd/>
+            <a:tailEnd/>
+          </a:ln>
+        </p:spPr>
+        <p:txBody>
+          <a:bodyPr>
+            <a:spAutoFit/>
+          </a:bodyPr>
+          <a:lstStyle/>
+          <a:p>
+            <a:pPr>
+              <a:spcBef>
+                <a:spcPct val="50000"/>
+              </a:spcBef>
+            </a:pPr>
+            <a:endParaRPr lang="pt-PT"/>
+          </a:p>
+        </p:txBody>
+      </p:sp>
+      <p:sp>
+        <p:nvSpPr>
+          <p:cNvPr id="10244" name="Rectangle 11"/>
+          <p:cNvSpPr>
+            <a:spLocks noChangeArrowheads="1"/>
+          </p:cNvSpPr>
+          <p:nvPr/>
+        </p:nvSpPr>
+        <p:spPr bwMode="auto">
+          <a:xfrm>
+            <a:off x="8327571" y="6496091"/>
+            <a:ext cx="936625" cy="260350"/>
+          </a:xfrm>
+          <a:prstGeom prst="rect">
+            <a:avLst/>
+          </a:prstGeom>
+          <a:noFill/>
+          <a:ln w="9525">
+            <a:noFill/>
+            <a:miter lim="800000"/>
+            <a:headEnd/>
+            <a:tailEnd/>
+          </a:ln>
+        </p:spPr>
+        <p:txBody>
+          <a:bodyPr anchor="ctr"/>
+          <a:lstStyle/>
+          <a:p>
+            <a:pPr algn="ctr"/>
+            <a:r>
+              <a:rPr lang="pt-PT" sz="1000" dirty="0"/>
+              <a:t>- </a:t>
+            </a:r>
+            <a:fld id="{1234D2FF-8FB9-47A1-B8C9-42A5F500BA2F}" type="slidenum">
+              <a:rPr lang="pt-PT" sz="1000"/>
+              <a:pPr algn="ctr"/>
+              <a:t>4</a:t>
+            </a:fld>
+            <a:r>
+              <a:rPr lang="pt-PT" sz="1000" dirty="0"/>
+              <a:t> -</a:t>
+            </a:r>
+          </a:p>
+        </p:txBody>
+      </p:sp>
+      <p:sp>
+        <p:nvSpPr>
           <p:cNvPr id="9229" name="Text Box 13"/>
           <p:cNvSpPr txBox="1">
             <a:spLocks noChangeArrowheads="1"/>
@@ -7017,7 +7301,7 @@
         <p:spPr bwMode="auto">
           <a:xfrm>
             <a:off x="306388" y="557213"/>
-            <a:ext cx="6981825" cy="400110"/>
+            <a:ext cx="6981825" cy="400050"/>
           </a:xfrm>
           <a:prstGeom prst="rect">
             <a:avLst/>
@@ -7068,55 +7352,16 @@
                 <a:latin typeface="Arial"/>
                 <a:cs typeface="Arial"/>
               </a:rPr>
-              <a:t> </a:t>
-            </a:r>
-            <a:r>
-              <a:rPr lang="en-US" sz="2000" b="1" dirty="0">
-                <a:effectLst>
-                  <a:outerShdw blurRad="38100" dist="38100" dir="2700000" algn="tl">
-                    <a:srgbClr val="C0C0C0"/>
-                  </a:outerShdw>
-                </a:effectLst>
-                <a:latin typeface="Arial" pitchFamily="34" charset="0"/>
-                <a:cs typeface="Arial" pitchFamily="34" charset="0"/>
-              </a:rPr>
-              <a:t>6</a:t>
-            </a:r>
-            <a:r>
-              <a:rPr lang="en-US" sz="2000" b="1" dirty="0">
-                <a:latin typeface="Arial" pitchFamily="34" charset="0"/>
-                <a:cs typeface="Arial" pitchFamily="34" charset="0"/>
-              </a:rPr>
-              <a:t>. </a:t>
-            </a:r>
-            <a:r>
-              <a:rPr lang="en-US" sz="2000" b="1" dirty="0" err="1">
-                <a:latin typeface="Arial" pitchFamily="34" charset="0"/>
-                <a:cs typeface="Arial" pitchFamily="34" charset="0"/>
-              </a:rPr>
-              <a:t>Bibliografia</a:t>
-            </a:r>
-            <a:r>
-              <a:rPr lang="en-US" sz="2000" b="1" dirty="0">
-                <a:latin typeface="Arial" pitchFamily="34" charset="0"/>
-                <a:cs typeface="Arial" pitchFamily="34" charset="0"/>
-              </a:rPr>
-              <a:t> e </a:t>
-            </a:r>
-            <a:r>
-              <a:rPr lang="en-US" sz="2000" b="1" dirty="0" err="1">
-                <a:latin typeface="Arial" pitchFamily="34" charset="0"/>
-                <a:cs typeface="Arial" pitchFamily="34" charset="0"/>
-              </a:rPr>
-              <a:t>Referências</a:t>
-            </a:r>
-            <a:r>
-              <a:rPr lang="en-US" sz="2000" b="1" dirty="0">
-                <a:latin typeface="Arial" pitchFamily="34" charset="0"/>
-                <a:cs typeface="Arial" pitchFamily="34" charset="0"/>
-              </a:rPr>
-              <a:t> Web </a:t>
-            </a:r>
+              <a:t> Dificuldades</a:t>
+            </a:r>
+            <a:endParaRPr lang="pt-PT" sz="2000" b="1" dirty="0">
+              <a:effectLst>
+                <a:outerShdw blurRad="38100" dist="38100" dir="2700000" algn="tl">
+                  <a:srgbClr val="C0C0C0"/>
+                </a:outerShdw>
+              </a:effectLst>
+              <a:latin typeface="Arial" charset="0"/>
+            </a:endParaRPr>
           </a:p>
         </p:txBody>
       </p:sp>
@@ -7156,71 +7401,20 @@
       </p:sp>
       <p:sp>
         <p:nvSpPr>
-          <p:cNvPr id="9237" name="Text Box 21"/>
+          <p:cNvPr id="19" name="Marcador de Posição de Conteúdo 2"/>
           <p:cNvSpPr txBox="1">
-            <a:spLocks noChangeArrowheads="1"/>
+            <a:spLocks/>
           </p:cNvSpPr>
           <p:nvPr/>
         </p:nvSpPr>
-        <p:spPr bwMode="auto">
+        <p:spPr>
           <a:xfrm>
-            <a:off x="260350" y="44450"/>
-            <a:ext cx="6981825" cy="304800"/>
+            <a:off x="457200" y="1219200"/>
+            <a:ext cx="8229600" cy="4937760"/>
           </a:xfrm>
           <a:prstGeom prst="rect">
             <a:avLst/>
           </a:prstGeom>
-          <a:noFill/>
-          <a:ln w="9525">
-            <a:noFill/>
-            <a:miter lim="800000"/>
-            <a:headEnd/>
-            <a:tailEnd/>
-          </a:ln>
-          <a:effectLst/>
-        </p:spPr>
-        <p:txBody>
-          <a:bodyPr>
-            <a:spAutoFit/>
-          </a:bodyPr>
-          <a:lstStyle/>
-          <a:p>
-            <a:pPr>
-              <a:spcBef>
-                <a:spcPct val="50000"/>
-              </a:spcBef>
-              <a:defRPr/>
-            </a:pPr>
-            <a:endParaRPr lang="pt-PT" sz="1400" b="1" dirty="0">
-              <a:solidFill>
-                <a:srgbClr val="FF3300"/>
-              </a:solidFill>
-              <a:effectLst>
-                <a:outerShdw blurRad="38100" dist="38100" dir="2700000" algn="tl">
-                  <a:srgbClr val="C0C0C0"/>
-                </a:outerShdw>
-              </a:effectLst>
-              <a:latin typeface="Arial" charset="0"/>
-            </a:endParaRPr>
-          </a:p>
-        </p:txBody>
-      </p:sp>
-      <p:sp>
-        <p:nvSpPr>
-          <p:cNvPr id="18" name="Content Placeholder 2"/>
-          <p:cNvSpPr txBox="1">
-            <a:spLocks/>
-          </p:cNvSpPr>
-          <p:nvPr/>
-        </p:nvSpPr>
-        <p:spPr>
-          <a:xfrm>
-            <a:off x="152400" y="1066800"/>
-            <a:ext cx="8839200" cy="5257800"/>
-          </a:xfrm>
-          <a:prstGeom prst="rect">
-            <a:avLst/>
-          </a:prstGeom>
         </p:spPr>
         <p:txBody>
           <a:bodyPr vert="horz" lIns="91440" tIns="45720" rIns="91440" bIns="45720" rtlCol="0">
@@ -7230,104 +7424,342 @@
           <a:p>
             <a:pPr>
               <a:lnSpc>
+                <a:spcPct val="150000"/>
+              </a:lnSpc>
+            </a:pPr>
+            <a:r>
+              <a:rPr lang="en-US" sz="1800" dirty="0">
+                <a:solidFill>
+                  <a:srgbClr val="FFC000"/>
+                </a:solidFill>
+                <a:cs typeface="Arial" panose="020B0604020202020204" pitchFamily="34" charset="0"/>
+              </a:rPr>
+              <a:t>■ </a:t>
+            </a:r>
+            <a:r>
+              <a:rPr lang="pt-PT" dirty="0">
+                <a:latin typeface="Arial" pitchFamily="34" charset="0"/>
+                <a:cs typeface="Arial" pitchFamily="34" charset="0"/>
+              </a:rPr>
+              <a:t>Criação da estrutura do </a:t>
+            </a:r>
+            <a:r>
+              <a:rPr lang="pt-PT" dirty="0" err="1">
+                <a:latin typeface="Arial" pitchFamily="34" charset="0"/>
+                <a:cs typeface="Arial" pitchFamily="34" charset="0"/>
+              </a:rPr>
+              <a:t>schema</a:t>
+            </a:r>
+            <a:endParaRPr lang="pt-PT" dirty="0">
+              <a:latin typeface="Arial" pitchFamily="34" charset="0"/>
+              <a:cs typeface="Arial" pitchFamily="34" charset="0"/>
+            </a:endParaRPr>
+          </a:p>
+          <a:p>
+            <a:pPr>
+              <a:lnSpc>
+                <a:spcPct val="150000"/>
+              </a:lnSpc>
+            </a:pPr>
+            <a:r>
+              <a:rPr lang="en-US" sz="1800" dirty="0">
+                <a:solidFill>
+                  <a:srgbClr val="FFC000"/>
+                </a:solidFill>
+                <a:cs typeface="Arial" panose="020B0604020202020204" pitchFamily="34" charset="0"/>
+              </a:rPr>
+              <a:t>■ </a:t>
+            </a:r>
+            <a:r>
+              <a:rPr lang="pt-PT" dirty="0">
+                <a:latin typeface="Arial" pitchFamily="34" charset="0"/>
+                <a:cs typeface="Arial" pitchFamily="34" charset="0"/>
+              </a:rPr>
+              <a:t>Implementação da validação do XML com o </a:t>
+            </a:r>
+            <a:r>
+              <a:rPr lang="pt-PT" dirty="0" err="1">
+                <a:latin typeface="Arial" pitchFamily="34" charset="0"/>
+                <a:cs typeface="Arial" pitchFamily="34" charset="0"/>
+              </a:rPr>
+              <a:t>schema</a:t>
+            </a:r>
+            <a:r>
+              <a:rPr lang="pt-PT" dirty="0">
+                <a:latin typeface="Arial" pitchFamily="34" charset="0"/>
+                <a:cs typeface="Arial" pitchFamily="34" charset="0"/>
+              </a:rPr>
+              <a:t> usando o </a:t>
+            </a:r>
+            <a:r>
+              <a:rPr lang="pt-PT" dirty="0" err="1">
+                <a:latin typeface="Arial" pitchFamily="34" charset="0"/>
+                <a:cs typeface="Arial" pitchFamily="34" charset="0"/>
+              </a:rPr>
+              <a:t>lxml</a:t>
+            </a:r>
+            <a:endParaRPr lang="pt-PT" dirty="0">
+              <a:latin typeface="Arial" pitchFamily="34" charset="0"/>
+              <a:cs typeface="Arial" pitchFamily="34" charset="0"/>
+            </a:endParaRPr>
+          </a:p>
+          <a:p>
+            <a:pPr>
+              <a:lnSpc>
+                <a:spcPct val="150000"/>
+              </a:lnSpc>
+            </a:pPr>
+            <a:r>
+              <a:rPr lang="en-US" sz="1800" dirty="0">
+                <a:solidFill>
+                  <a:srgbClr val="FFC000"/>
+                </a:solidFill>
+                <a:cs typeface="Arial" panose="020B0604020202020204" pitchFamily="34" charset="0"/>
+              </a:rPr>
+              <a:t>■ </a:t>
+            </a:r>
+            <a:r>
+              <a:rPr lang="pt-PT" dirty="0">
+                <a:latin typeface="Arial" pitchFamily="34" charset="0"/>
+                <a:cs typeface="Arial" pitchFamily="34" charset="0"/>
+              </a:rPr>
+              <a:t>Integração das funções no </a:t>
+            </a:r>
+            <a:r>
+              <a:rPr lang="pt-PT" dirty="0" err="1">
+                <a:latin typeface="Arial" pitchFamily="34" charset="0"/>
+                <a:cs typeface="Arial" pitchFamily="34" charset="0"/>
+              </a:rPr>
+              <a:t>xmlrpc</a:t>
+            </a:r>
+            <a:r>
+              <a:rPr lang="pt-PT" dirty="0">
+                <a:latin typeface="Arial" pitchFamily="34" charset="0"/>
+                <a:cs typeface="Arial" pitchFamily="34" charset="0"/>
+              </a:rPr>
+              <a:t> devido aos </a:t>
+            </a:r>
+            <a:r>
+              <a:rPr lang="pt-PT" dirty="0" err="1">
+                <a:latin typeface="Arial" pitchFamily="34" charset="0"/>
+                <a:cs typeface="Arial" pitchFamily="34" charset="0"/>
+              </a:rPr>
+              <a:t>imports</a:t>
+            </a:r>
+            <a:br>
+              <a:rPr lang="pt-PT" dirty="0">
+                <a:latin typeface="Arial" pitchFamily="34" charset="0"/>
+                <a:cs typeface="Arial" pitchFamily="34" charset="0"/>
+              </a:rPr>
+            </a:br>
+            <a:endParaRPr lang="pt-PT" sz="2000" dirty="0">
+              <a:latin typeface="Arial" pitchFamily="34" charset="0"/>
+              <a:cs typeface="Arial" pitchFamily="34" charset="0"/>
+            </a:endParaRPr>
+          </a:p>
+          <a:p>
+            <a:pPr lvl="0">
+              <a:lnSpc>
                 <a:spcPct val="200000"/>
               </a:lnSpc>
               <a:spcBef>
                 <a:spcPct val="20000"/>
               </a:spcBef>
-              <a:defRPr/>
             </a:pPr>
-            <a:r>
-              <a:rPr lang="en-US" sz="1600" dirty="0">
-                <a:solidFill>
-                  <a:srgbClr val="FFC000"/>
-                </a:solidFill>
-                <a:cs typeface="Arial" panose="020B0604020202020204" pitchFamily="34" charset="0"/>
-              </a:rPr>
-              <a:t>■ </a:t>
-            </a:r>
-            <a:r>
-              <a:rPr lang="en-US" sz="1600" dirty="0" err="1">
-                <a:cs typeface="Arial" panose="020B0604020202020204" pitchFamily="34" charset="0"/>
-              </a:rPr>
-              <a:t>Descrição</a:t>
-            </a:r>
-            <a:r>
-              <a:rPr lang="en-US" sz="1600" dirty="0">
-                <a:cs typeface="Arial" panose="020B0604020202020204" pitchFamily="34" charset="0"/>
-              </a:rPr>
-              <a:t> YYYY: </a:t>
-            </a:r>
-            <a:r>
-              <a:rPr lang="pt-PT" sz="1600" dirty="0">
-                <a:hlinkClick r:id="rId3"/>
-              </a:rPr>
-              <a:t>https://hyperledger.github.io/composer/latest/introduction/introduction.html</a:t>
-            </a:r>
-            <a:br>
-              <a:rPr lang="en-US" sz="1600" dirty="0">
-                <a:cs typeface="Arial" panose="020B0604020202020204" pitchFamily="34" charset="0"/>
-              </a:rPr>
-            </a:br>
-            <a:r>
-              <a:rPr lang="en-US" sz="1600" dirty="0">
-                <a:solidFill>
-                  <a:srgbClr val="FFC000"/>
-                </a:solidFill>
-                <a:cs typeface="Arial" panose="020B0604020202020204" pitchFamily="34" charset="0"/>
-              </a:rPr>
-              <a:t>■ </a:t>
-            </a:r>
-            <a:r>
-              <a:rPr lang="pt-PT" sz="1600" dirty="0"/>
-              <a:t>……..: http://...</a:t>
-            </a:r>
-            <a:br>
-              <a:rPr lang="pt-PT" sz="1600" dirty="0"/>
-            </a:br>
-            <a:r>
-              <a:rPr lang="en-US" sz="1600" dirty="0">
-                <a:solidFill>
-                  <a:srgbClr val="FFC000"/>
-                </a:solidFill>
-                <a:cs typeface="Arial" panose="020B0604020202020204" pitchFamily="34" charset="0"/>
-              </a:rPr>
-              <a:t>■ </a:t>
-            </a:r>
-            <a:r>
-              <a:rPr lang="en-US" sz="1600" dirty="0"/>
-              <a:t>……..: http://...</a:t>
-            </a:r>
-          </a:p>
-          <a:p>
-            <a:pPr marL="36576" algn="just">
-              <a:lnSpc>
-                <a:spcPct val="170000"/>
-              </a:lnSpc>
-              <a:spcBef>
-                <a:spcPct val="20000"/>
-              </a:spcBef>
-              <a:defRPr/>
-            </a:pPr>
-            <a:endParaRPr kumimoji="0" lang="en-US" sz="2000" b="0" i="1" u="none" strike="noStrike" kern="1200" cap="none" spc="0" normalizeH="0" baseline="0" noProof="0" dirty="0">
+            <a:endParaRPr kumimoji="0" lang="pt-PT" sz="2000" b="0" i="0" u="none" strike="noStrike" kern="1200" cap="none" spc="0" normalizeH="0" baseline="0" noProof="0" dirty="0">
               <a:ln>
                 <a:noFill/>
               </a:ln>
               <a:effectLst/>
               <a:uLnTx/>
               <a:uFillTx/>
-              <a:latin typeface="Arial" panose="020B0604020202020204" pitchFamily="34" charset="0"/>
-              <a:cs typeface="Arial" panose="020B0604020202020204" pitchFamily="34" charset="0"/>
+              <a:latin typeface="Arial" pitchFamily="34" charset="0"/>
+              <a:cs typeface="Arial" pitchFamily="34" charset="0"/>
+            </a:endParaRPr>
+          </a:p>
+          <a:p>
+            <a:pPr marL="457200" marR="0" lvl="1" indent="0" defTabSz="914400" rtl="0" eaLnBrk="1" fontAlgn="auto" latinLnBrk="0" hangingPunct="1">
+              <a:lnSpc>
+                <a:spcPct val="200000"/>
+              </a:lnSpc>
+              <a:spcBef>
+                <a:spcPct val="20000"/>
+              </a:spcBef>
+              <a:spcAft>
+                <a:spcPts val="0"/>
+              </a:spcAft>
+              <a:buClrTx/>
+              <a:buSzTx/>
+              <a:buFont typeface="Arial" pitchFamily="34" charset="0"/>
+              <a:buNone/>
+              <a:tabLst/>
+              <a:defRPr/>
+            </a:pPr>
+            <a:endParaRPr kumimoji="0" lang="pt-PT" sz="2000" b="0" i="0" u="none" strike="noStrike" kern="1200" cap="none" spc="0" normalizeH="0" baseline="0" noProof="0" dirty="0">
+              <a:ln>
+                <a:noFill/>
+              </a:ln>
+              <a:effectLst/>
+              <a:uLnTx/>
+              <a:uFillTx/>
+              <a:latin typeface="Arial" pitchFamily="34" charset="0"/>
+              <a:cs typeface="Arial" pitchFamily="34" charset="0"/>
+            </a:endParaRPr>
+          </a:p>
+          <a:p>
+            <a:pPr marL="457200" marR="0" lvl="1" indent="0" defTabSz="914400" rtl="0" eaLnBrk="1" fontAlgn="auto" latinLnBrk="0" hangingPunct="1">
+              <a:lnSpc>
+                <a:spcPct val="200000"/>
+              </a:lnSpc>
+              <a:spcBef>
+                <a:spcPct val="20000"/>
+              </a:spcBef>
+              <a:spcAft>
+                <a:spcPts val="0"/>
+              </a:spcAft>
+              <a:buClrTx/>
+              <a:buSzTx/>
+              <a:buFont typeface="Arial" pitchFamily="34" charset="0"/>
+              <a:buNone/>
+              <a:tabLst/>
+              <a:defRPr/>
+            </a:pPr>
+            <a:endParaRPr kumimoji="0" lang="pt-PT" sz="2000" b="0" i="0" u="none" strike="noStrike" kern="1200" cap="none" spc="0" normalizeH="0" baseline="0" noProof="0" dirty="0">
+              <a:ln>
+                <a:noFill/>
+              </a:ln>
+              <a:effectLst/>
+              <a:uLnTx/>
+              <a:uFillTx/>
+              <a:latin typeface="Arial" pitchFamily="34" charset="0"/>
+              <a:cs typeface="Arial" pitchFamily="34" charset="0"/>
+            </a:endParaRPr>
+          </a:p>
+          <a:p>
+            <a:pPr marL="0" marR="0" lvl="0" indent="0" defTabSz="914400" rtl="0" eaLnBrk="1" fontAlgn="auto" latinLnBrk="0" hangingPunct="1">
+              <a:lnSpc>
+                <a:spcPct val="200000"/>
+              </a:lnSpc>
+              <a:spcBef>
+                <a:spcPct val="20000"/>
+              </a:spcBef>
+              <a:spcAft>
+                <a:spcPts val="0"/>
+              </a:spcAft>
+              <a:buClrTx/>
+              <a:buSzTx/>
+              <a:buFont typeface="Arial" pitchFamily="34" charset="0"/>
+              <a:buNone/>
+              <a:tabLst/>
+              <a:defRPr/>
+            </a:pPr>
+            <a:endParaRPr kumimoji="0" lang="pt-PT" sz="2000" b="0" i="0" u="none" strike="noStrike" kern="1200" cap="none" spc="0" normalizeH="0" baseline="0" noProof="0" dirty="0">
+              <a:ln>
+                <a:noFill/>
+              </a:ln>
+              <a:effectLst/>
+              <a:uLnTx/>
+              <a:uFillTx/>
+              <a:latin typeface="Arial" pitchFamily="34" charset="0"/>
+              <a:cs typeface="Arial" pitchFamily="34" charset="0"/>
+            </a:endParaRPr>
+          </a:p>
+          <a:p>
+            <a:pPr marL="0" marR="0" lvl="0" indent="0" defTabSz="914400" rtl="0" eaLnBrk="1" fontAlgn="auto" latinLnBrk="0" hangingPunct="1">
+              <a:lnSpc>
+                <a:spcPct val="200000"/>
+              </a:lnSpc>
+              <a:spcBef>
+                <a:spcPct val="20000"/>
+              </a:spcBef>
+              <a:spcAft>
+                <a:spcPts val="0"/>
+              </a:spcAft>
+              <a:buClrTx/>
+              <a:buSzTx/>
+              <a:buFont typeface="Arial" pitchFamily="34" charset="0"/>
+              <a:buNone/>
+              <a:tabLst/>
+              <a:defRPr/>
+            </a:pPr>
+            <a:endParaRPr kumimoji="0" lang="pt-PT" sz="2000" b="0" i="0" u="none" strike="noStrike" kern="1200" cap="none" spc="0" normalizeH="0" baseline="0" noProof="0" dirty="0">
+              <a:ln>
+                <a:noFill/>
+              </a:ln>
+              <a:effectLst/>
+              <a:uLnTx/>
+              <a:uFillTx/>
+              <a:latin typeface="Arial" pitchFamily="34" charset="0"/>
+              <a:cs typeface="Arial" pitchFamily="34" charset="0"/>
+            </a:endParaRPr>
+          </a:p>
+          <a:p>
+            <a:pPr marL="0" marR="0" lvl="0" indent="0" defTabSz="914400" rtl="0" eaLnBrk="1" fontAlgn="auto" latinLnBrk="0" hangingPunct="1">
+              <a:lnSpc>
+                <a:spcPct val="200000"/>
+              </a:lnSpc>
+              <a:spcBef>
+                <a:spcPct val="20000"/>
+              </a:spcBef>
+              <a:spcAft>
+                <a:spcPts val="0"/>
+              </a:spcAft>
+              <a:buClrTx/>
+              <a:buSzTx/>
+              <a:buFont typeface="Arial" pitchFamily="34" charset="0"/>
+              <a:buNone/>
+              <a:tabLst/>
+              <a:defRPr/>
+            </a:pPr>
+            <a:endParaRPr kumimoji="0" lang="pt-PT" sz="2000" b="0" i="0" u="none" strike="noStrike" kern="1200" cap="none" spc="0" normalizeH="0" baseline="0" noProof="0" dirty="0">
+              <a:ln>
+                <a:noFill/>
+              </a:ln>
+              <a:effectLst/>
+              <a:uLnTx/>
+              <a:uFillTx/>
+              <a:latin typeface="Arial" pitchFamily="34" charset="0"/>
+              <a:cs typeface="Arial" pitchFamily="34" charset="0"/>
             </a:endParaRPr>
           </a:p>
         </p:txBody>
       </p:sp>
       <p:pic>
         <p:nvPicPr>
-          <p:cNvPr id="15" name="Imagem 14">
+          <p:cNvPr id="7" name="Imagem 6">
             <a:extLst>
               <a:ext uri="{FF2B5EF4-FFF2-40B4-BE49-F238E27FC236}">
-                <a16:creationId xmlns:a16="http://schemas.microsoft.com/office/drawing/2014/main" id="{5DEBD917-885F-4E14-9AAA-FA7433880DF4}"/>
+                <a16:creationId xmlns:a16="http://schemas.microsoft.com/office/drawing/2014/main" id="{54D42837-E70D-4C64-A8A7-E7F751502B92}"/>
+              </a:ext>
+            </a:extLst>
+          </p:cNvPr>
+          <p:cNvPicPr>
+            <a:picLocks noChangeAspect="1"/>
+          </p:cNvPicPr>
+          <p:nvPr/>
+        </p:nvPicPr>
+        <p:blipFill>
+          <a:blip r:embed="rId3"/>
+          <a:stretch>
+            <a:fillRect/>
+          </a:stretch>
+        </p:blipFill>
+        <p:spPr>
+          <a:xfrm>
+            <a:off x="101225" y="904241"/>
+            <a:ext cx="9014192" cy="266482"/>
+          </a:xfrm>
+          <a:prstGeom prst="rect">
+            <a:avLst/>
+          </a:prstGeom>
+        </p:spPr>
+      </p:pic>
+      <p:pic>
+        <p:nvPicPr>
+          <p:cNvPr id="9" name="Imagem 8">
+            <a:extLst>
+              <a:ext uri="{FF2B5EF4-FFF2-40B4-BE49-F238E27FC236}">
+                <a16:creationId xmlns:a16="http://schemas.microsoft.com/office/drawing/2014/main" id="{81982921-1900-46B5-BE82-07BECCD63918}"/>
               </a:ext>
             </a:extLst>
           </p:cNvPr>
@@ -7344,8 +7776,8 @@
         </p:blipFill>
         <p:spPr>
           <a:xfrm>
-            <a:off x="101225" y="904241"/>
-            <a:ext cx="9014192" cy="266482"/>
+            <a:off x="0" y="6320212"/>
+            <a:ext cx="9144000" cy="253252"/>
           </a:xfrm>
           <a:prstGeom prst="rect">
             <a:avLst/>
@@ -7354,10 +7786,10 @@
       </p:pic>
       <p:pic>
         <p:nvPicPr>
-          <p:cNvPr id="28" name="Imagem 27">
+          <p:cNvPr id="13" name="Imagem 12">
             <a:extLst>
               <a:ext uri="{FF2B5EF4-FFF2-40B4-BE49-F238E27FC236}">
-                <a16:creationId xmlns:a16="http://schemas.microsoft.com/office/drawing/2014/main" id="{BC0DA002-1D3A-41DC-B132-1A198053902D}"/>
+                <a16:creationId xmlns:a16="http://schemas.microsoft.com/office/drawing/2014/main" id="{BE263CB9-5E3B-4385-9450-974CDF0F6C7D}"/>
               </a:ext>
             </a:extLst>
           </p:cNvPr>
@@ -7380,6 +7812,42 @@
         </p:blipFill>
         <p:spPr>
           <a:xfrm>
+            <a:off x="238125" y="6488336"/>
+            <a:ext cx="545959" cy="199802"/>
+          </a:xfrm>
+          <a:prstGeom prst="rect">
+            <a:avLst/>
+          </a:prstGeom>
+        </p:spPr>
+      </p:pic>
+      <p:pic>
+        <p:nvPicPr>
+          <p:cNvPr id="5" name="Imagem 4">
+            <a:extLst>
+              <a:ext uri="{FF2B5EF4-FFF2-40B4-BE49-F238E27FC236}">
+                <a16:creationId xmlns:a16="http://schemas.microsoft.com/office/drawing/2014/main" id="{4B69841B-4743-42E9-837A-73B87FC5C8CF}"/>
+              </a:ext>
+            </a:extLst>
+          </p:cNvPr>
+          <p:cNvPicPr>
+            <a:picLocks noChangeAspect="1"/>
+          </p:cNvPicPr>
+          <p:nvPr/>
+        </p:nvPicPr>
+        <p:blipFill>
+          <a:blip r:embed="rId6" cstate="print">
+            <a:extLst>
+              <a:ext uri="{28A0092B-C50C-407E-A947-70E740481C1C}">
+                <a14:useLocalDpi xmlns:a14="http://schemas.microsoft.com/office/drawing/2010/main" val="0"/>
+              </a:ext>
+            </a:extLst>
+          </a:blip>
+          <a:stretch>
+            <a:fillRect/>
+          </a:stretch>
+        </p:blipFill>
+        <p:spPr>
+          <a:xfrm>
             <a:off x="6575316" y="9186"/>
             <a:ext cx="2575034" cy="639880"/>
           </a:xfrm>
@@ -7390,13 +7858,401 @@
       </p:pic>
       <p:sp>
         <p:nvSpPr>
-          <p:cNvPr id="2" name="Text Box 10">
+          <p:cNvPr id="8" name="Text Box 21">
             <a:extLst>
               <a:ext uri="{FF2B5EF4-FFF2-40B4-BE49-F238E27FC236}">
-                <a16:creationId xmlns:a16="http://schemas.microsoft.com/office/drawing/2014/main" id="{1204D73C-759C-3E01-1E9B-19D68FC71E2A}"/>
+                <a16:creationId xmlns:a16="http://schemas.microsoft.com/office/drawing/2014/main" id="{ED633BE1-0D6E-2745-55CA-DE97E4F19359}"/>
               </a:ext>
             </a:extLst>
           </p:cNvPr>
+          <p:cNvSpPr txBox="1">
+            <a:spLocks noChangeArrowheads="1"/>
+          </p:cNvSpPr>
+          <p:nvPr/>
+        </p:nvSpPr>
+        <p:spPr bwMode="auto">
+          <a:xfrm>
+            <a:off x="371476" y="169862"/>
+            <a:ext cx="6138752" cy="276999"/>
+          </a:xfrm>
+          <a:prstGeom prst="rect">
+            <a:avLst/>
+          </a:prstGeom>
+          <a:noFill/>
+          <a:ln w="9525">
+            <a:noFill/>
+            <a:miter lim="800000"/>
+            <a:headEnd/>
+            <a:tailEnd/>
+          </a:ln>
+          <a:effectLst/>
+        </p:spPr>
+        <p:txBody>
+          <a:bodyPr wrap="square">
+            <a:spAutoFit/>
+          </a:bodyPr>
+          <a:lstStyle/>
+          <a:p>
+            <a:pPr>
+              <a:spcBef>
+                <a:spcPct val="50000"/>
+              </a:spcBef>
+              <a:defRPr/>
+            </a:pPr>
+            <a:r>
+              <a:rPr lang="pt-PT" sz="1200" b="1" dirty="0">
+                <a:effectLst>
+                  <a:outerShdw blurRad="38100" dist="38100" dir="2700000" algn="tl">
+                    <a:srgbClr val="C0C0C0"/>
+                  </a:outerShdw>
+                </a:effectLst>
+                <a:latin typeface="Arial" charset="0"/>
+              </a:rPr>
+              <a:t>INTEGRAÇÃO DE SISTEMAS – TRABALHO PRÁTICO 1-B - Sistemas Distribuídos </a:t>
+            </a:r>
+          </a:p>
+        </p:txBody>
+      </p:sp>
+      <p:sp>
+        <p:nvSpPr>
+          <p:cNvPr id="10" name="Rectângulo 19">
+            <a:extLst>
+              <a:ext uri="{FF2B5EF4-FFF2-40B4-BE49-F238E27FC236}">
+                <a16:creationId xmlns:a16="http://schemas.microsoft.com/office/drawing/2014/main" id="{5CD9427E-0EE9-2894-BA75-507430F32E79}"/>
+              </a:ext>
+            </a:extLst>
+          </p:cNvPr>
+          <p:cNvSpPr/>
+          <p:nvPr/>
+        </p:nvSpPr>
+        <p:spPr>
+          <a:xfrm>
+            <a:off x="6519753" y="553019"/>
+            <a:ext cx="2521060" cy="261610"/>
+          </a:xfrm>
+          <a:prstGeom prst="rect">
+            <a:avLst/>
+          </a:prstGeom>
+        </p:spPr>
+        <p:txBody>
+          <a:bodyPr wrap="square">
+            <a:spAutoFit/>
+          </a:bodyPr>
+          <a:lstStyle/>
+          <a:p>
+            <a:pPr algn="r"/>
+            <a:r>
+              <a:rPr lang="pt-PT" sz="1100" b="1" cap="all" dirty="0" err="1">
+                <a:highlight>
+                  <a:srgbClr val="FFFF00"/>
+                </a:highlight>
+              </a:rPr>
+              <a:t>Degree</a:t>
+            </a:r>
+            <a:r>
+              <a:rPr lang="pt-PT" sz="1100" b="1" cap="all" dirty="0">
+                <a:highlight>
+                  <a:srgbClr val="FFFF00"/>
+                </a:highlight>
+              </a:rPr>
+              <a:t> IN </a:t>
+            </a:r>
+            <a:r>
+              <a:rPr lang="pt-PT" sz="1100" b="1" cap="all" dirty="0" err="1">
+                <a:highlight>
+                  <a:srgbClr val="FFFF00"/>
+                </a:highlight>
+              </a:rPr>
+              <a:t>Informatics</a:t>
+            </a:r>
+            <a:r>
+              <a:rPr lang="pt-PT" sz="1100" b="1" cap="all" dirty="0">
+                <a:highlight>
+                  <a:srgbClr val="FFFF00"/>
+                </a:highlight>
+              </a:rPr>
+              <a:t> </a:t>
+            </a:r>
+            <a:r>
+              <a:rPr lang="pt-PT" sz="1100" b="1" cap="all" dirty="0" err="1">
+                <a:highlight>
+                  <a:srgbClr val="FFFF00"/>
+                </a:highlight>
+              </a:rPr>
+              <a:t>engineering</a:t>
+            </a:r>
+            <a:endParaRPr lang="pt-PT" sz="1100" dirty="0">
+              <a:highlight>
+                <a:srgbClr val="FFFF00"/>
+              </a:highlight>
+            </a:endParaRPr>
+          </a:p>
+        </p:txBody>
+      </p:sp>
+      <p:sp>
+        <p:nvSpPr>
+          <p:cNvPr id="11" name="Subtítulo 2">
+            <a:extLst>
+              <a:ext uri="{FF2B5EF4-FFF2-40B4-BE49-F238E27FC236}">
+                <a16:creationId xmlns:a16="http://schemas.microsoft.com/office/drawing/2014/main" id="{5F6AFA29-8B02-CA6D-109B-B13796302250}"/>
+              </a:ext>
+            </a:extLst>
+          </p:cNvPr>
+          <p:cNvSpPr txBox="1">
+            <a:spLocks/>
+          </p:cNvSpPr>
+          <p:nvPr/>
+        </p:nvSpPr>
+        <p:spPr>
+          <a:xfrm>
+            <a:off x="836017" y="6524516"/>
+            <a:ext cx="7698382" cy="162409"/>
+          </a:xfrm>
+          <a:prstGeom prst="rect">
+            <a:avLst/>
+          </a:prstGeom>
+        </p:spPr>
+        <p:txBody>
+          <a:bodyPr vert="horz" lIns="68580" tIns="34290" rIns="68580" bIns="34290" rtlCol="0">
+            <a:normAutofit fontScale="92500" lnSpcReduction="20000"/>
+          </a:bodyPr>
+          <a:lstStyle>
+            <a:lvl1pPr marL="0" indent="0" algn="ctr" defTabSz="914400" rtl="0" eaLnBrk="1" latinLnBrk="0" hangingPunct="1">
+              <a:lnSpc>
+                <a:spcPct val="90000"/>
+              </a:lnSpc>
+              <a:spcBef>
+                <a:spcPts val="1000"/>
+              </a:spcBef>
+              <a:buFont typeface="Arial" panose="020B0604020202020204" pitchFamily="34" charset="0"/>
+              <a:buNone/>
+              <a:defRPr sz="2400" kern="1200">
+                <a:solidFill>
+                  <a:schemeClr val="tx1"/>
+                </a:solidFill>
+                <a:latin typeface="+mn-lt"/>
+                <a:ea typeface="+mn-ea"/>
+                <a:cs typeface="+mn-cs"/>
+              </a:defRPr>
+            </a:lvl1pPr>
+            <a:lvl2pPr marL="457200" indent="0" algn="ctr" defTabSz="914400" rtl="0" eaLnBrk="1" latinLnBrk="0" hangingPunct="1">
+              <a:lnSpc>
+                <a:spcPct val="90000"/>
+              </a:lnSpc>
+              <a:spcBef>
+                <a:spcPts val="500"/>
+              </a:spcBef>
+              <a:buFont typeface="Arial" panose="020B0604020202020204" pitchFamily="34" charset="0"/>
+              <a:buNone/>
+              <a:defRPr sz="2000" kern="1200">
+                <a:solidFill>
+                  <a:schemeClr val="tx1"/>
+                </a:solidFill>
+                <a:latin typeface="+mn-lt"/>
+                <a:ea typeface="+mn-ea"/>
+                <a:cs typeface="+mn-cs"/>
+              </a:defRPr>
+            </a:lvl2pPr>
+            <a:lvl3pPr marL="914400" indent="0" algn="ctr" defTabSz="914400" rtl="0" eaLnBrk="1" latinLnBrk="0" hangingPunct="1">
+              <a:lnSpc>
+                <a:spcPct val="90000"/>
+              </a:lnSpc>
+              <a:spcBef>
+                <a:spcPts val="500"/>
+              </a:spcBef>
+              <a:buFont typeface="Arial" panose="020B0604020202020204" pitchFamily="34" charset="0"/>
+              <a:buNone/>
+              <a:defRPr sz="1800" kern="1200">
+                <a:solidFill>
+                  <a:schemeClr val="tx1"/>
+                </a:solidFill>
+                <a:latin typeface="+mn-lt"/>
+                <a:ea typeface="+mn-ea"/>
+                <a:cs typeface="+mn-cs"/>
+              </a:defRPr>
+            </a:lvl3pPr>
+            <a:lvl4pPr marL="1371600" indent="0" algn="ctr" defTabSz="914400" rtl="0" eaLnBrk="1" latinLnBrk="0" hangingPunct="1">
+              <a:lnSpc>
+                <a:spcPct val="90000"/>
+              </a:lnSpc>
+              <a:spcBef>
+                <a:spcPts val="500"/>
+              </a:spcBef>
+              <a:buFont typeface="Arial" panose="020B0604020202020204" pitchFamily="34" charset="0"/>
+              <a:buNone/>
+              <a:defRPr sz="1600" kern="1200">
+                <a:solidFill>
+                  <a:schemeClr val="tx1"/>
+                </a:solidFill>
+                <a:latin typeface="+mn-lt"/>
+                <a:ea typeface="+mn-ea"/>
+                <a:cs typeface="+mn-cs"/>
+              </a:defRPr>
+            </a:lvl4pPr>
+            <a:lvl5pPr marL="1828800" indent="0" algn="ctr" defTabSz="914400" rtl="0" eaLnBrk="1" latinLnBrk="0" hangingPunct="1">
+              <a:lnSpc>
+                <a:spcPct val="90000"/>
+              </a:lnSpc>
+              <a:spcBef>
+                <a:spcPts val="500"/>
+              </a:spcBef>
+              <a:buFont typeface="Arial" panose="020B0604020202020204" pitchFamily="34" charset="0"/>
+              <a:buNone/>
+              <a:defRPr sz="1600" kern="1200">
+                <a:solidFill>
+                  <a:schemeClr val="tx1"/>
+                </a:solidFill>
+                <a:latin typeface="+mn-lt"/>
+                <a:ea typeface="+mn-ea"/>
+                <a:cs typeface="+mn-cs"/>
+              </a:defRPr>
+            </a:lvl5pPr>
+            <a:lvl6pPr marL="2286000" indent="0" algn="ctr" defTabSz="914400" rtl="0" eaLnBrk="1" latinLnBrk="0" hangingPunct="1">
+              <a:lnSpc>
+                <a:spcPct val="90000"/>
+              </a:lnSpc>
+              <a:spcBef>
+                <a:spcPts val="500"/>
+              </a:spcBef>
+              <a:buFont typeface="Arial" panose="020B0604020202020204" pitchFamily="34" charset="0"/>
+              <a:buNone/>
+              <a:defRPr sz="1600" kern="1200">
+                <a:solidFill>
+                  <a:schemeClr val="tx1"/>
+                </a:solidFill>
+                <a:latin typeface="+mn-lt"/>
+                <a:ea typeface="+mn-ea"/>
+                <a:cs typeface="+mn-cs"/>
+              </a:defRPr>
+            </a:lvl6pPr>
+            <a:lvl7pPr marL="2743200" indent="0" algn="ctr" defTabSz="914400" rtl="0" eaLnBrk="1" latinLnBrk="0" hangingPunct="1">
+              <a:lnSpc>
+                <a:spcPct val="90000"/>
+              </a:lnSpc>
+              <a:spcBef>
+                <a:spcPts val="500"/>
+              </a:spcBef>
+              <a:buFont typeface="Arial" panose="020B0604020202020204" pitchFamily="34" charset="0"/>
+              <a:buNone/>
+              <a:defRPr sz="1600" kern="1200">
+                <a:solidFill>
+                  <a:schemeClr val="tx1"/>
+                </a:solidFill>
+                <a:latin typeface="+mn-lt"/>
+                <a:ea typeface="+mn-ea"/>
+                <a:cs typeface="+mn-cs"/>
+              </a:defRPr>
+            </a:lvl7pPr>
+            <a:lvl8pPr marL="3200400" indent="0" algn="ctr" defTabSz="914400" rtl="0" eaLnBrk="1" latinLnBrk="0" hangingPunct="1">
+              <a:lnSpc>
+                <a:spcPct val="90000"/>
+              </a:lnSpc>
+              <a:spcBef>
+                <a:spcPts val="500"/>
+              </a:spcBef>
+              <a:buFont typeface="Arial" panose="020B0604020202020204" pitchFamily="34" charset="0"/>
+              <a:buNone/>
+              <a:defRPr sz="1600" kern="1200">
+                <a:solidFill>
+                  <a:schemeClr val="tx1"/>
+                </a:solidFill>
+                <a:latin typeface="+mn-lt"/>
+                <a:ea typeface="+mn-ea"/>
+                <a:cs typeface="+mn-cs"/>
+              </a:defRPr>
+            </a:lvl8pPr>
+            <a:lvl9pPr marL="3657600" indent="0" algn="ctr" defTabSz="914400" rtl="0" eaLnBrk="1" latinLnBrk="0" hangingPunct="1">
+              <a:lnSpc>
+                <a:spcPct val="90000"/>
+              </a:lnSpc>
+              <a:spcBef>
+                <a:spcPts val="500"/>
+              </a:spcBef>
+              <a:buFont typeface="Arial" panose="020B0604020202020204" pitchFamily="34" charset="0"/>
+              <a:buNone/>
+              <a:defRPr sz="1600" kern="1200">
+                <a:solidFill>
+                  <a:schemeClr val="tx1"/>
+                </a:solidFill>
+                <a:latin typeface="+mn-lt"/>
+                <a:ea typeface="+mn-ea"/>
+                <a:cs typeface="+mn-cs"/>
+              </a:defRPr>
+            </a:lvl9pPr>
+          </a:lstStyle>
+          <a:p>
+            <a:pPr algn="l"/>
+            <a:r>
+              <a:rPr lang="pt-PT" sz="900" dirty="0">
+                <a:latin typeface="Arial" charset="0"/>
+                <a:ea typeface="Arial" charset="0"/>
+                <a:cs typeface="Arial" charset="0"/>
+              </a:rPr>
+              <a:t>@Alexandre Santos, Rui Alves | </a:t>
+            </a:r>
+            <a:r>
+              <a:rPr lang="pt-PT" sz="900" b="1" dirty="0">
+                <a:solidFill>
+                  <a:srgbClr val="C00000"/>
+                </a:solidFill>
+                <a:latin typeface="Arial" charset="0"/>
+                <a:ea typeface="Arial" charset="0"/>
+                <a:cs typeface="Arial" charset="0"/>
+              </a:rPr>
+              <a:t>Unidade Curricular: INTEGRAÇÃO DE SISTEMAS </a:t>
+            </a:r>
+            <a:r>
+              <a:rPr lang="pt-PT" sz="900" dirty="0">
+                <a:latin typeface="Arial" charset="0"/>
+                <a:ea typeface="Arial" charset="0"/>
+                <a:cs typeface="Arial" charset="0"/>
+              </a:rPr>
+              <a:t>– Ano Letivo 2023/2024 – </a:t>
+            </a:r>
+            <a:r>
+              <a:rPr lang="pt-PT" sz="900" b="1" dirty="0">
+                <a:latin typeface="Arial" charset="0"/>
+                <a:ea typeface="Arial" charset="0"/>
+                <a:cs typeface="Arial" charset="0"/>
+              </a:rPr>
+              <a:t>Trabalho Prático 1-B</a:t>
+            </a:r>
+          </a:p>
+        </p:txBody>
+      </p:sp>
+    </p:spTree>
+    <p:extLst>
+      <p:ext uri="{BB962C8B-B14F-4D97-AF65-F5344CB8AC3E}">
+        <p14:creationId xmlns:p14="http://schemas.microsoft.com/office/powerpoint/2010/main" val="2129406423"/>
+      </p:ext>
+    </p:extLst>
+  </p:cSld>
+  <p:clrMapOvr>
+    <a:masterClrMapping/>
+  </p:clrMapOvr>
+</p:sld>
+</file>
+
+<file path=ppt/slides/slide5.xml><?xml version="1.0" encoding="utf-8"?>
+<p:sld xmlns:a="http://schemas.openxmlformats.org/drawingml/2006/main" xmlns:r="http://schemas.openxmlformats.org/officeDocument/2006/relationships" xmlns:p="http://schemas.openxmlformats.org/presentationml/2006/main">
+  <p:cSld>
+    <p:spTree>
+      <p:nvGrpSpPr>
+        <p:cNvPr id="1" name=""/>
+        <p:cNvGrpSpPr/>
+        <p:nvPr/>
+      </p:nvGrpSpPr>
+      <p:grpSpPr>
+        <a:xfrm>
+          <a:off x="0" y="0"/>
+          <a:ext cx="0" cy="0"/>
+          <a:chOff x="0" y="0"/>
+          <a:chExt cx="0" cy="0"/>
+        </a:xfrm>
+      </p:grpSpPr>
+      <p:sp>
+        <p:nvSpPr>
+          <p:cNvPr id="10243" name="Text Box 10"/>
           <p:cNvSpPr txBox="1">
             <a:spLocks noChangeArrowheads="1"/>
           </p:cNvSpPr>
@@ -7435,13 +8291,7 @@
       </p:sp>
       <p:sp>
         <p:nvSpPr>
-          <p:cNvPr id="3" name="Rectangle 11">
-            <a:extLst>
-              <a:ext uri="{FF2B5EF4-FFF2-40B4-BE49-F238E27FC236}">
-                <a16:creationId xmlns:a16="http://schemas.microsoft.com/office/drawing/2014/main" id="{66F8E842-06BB-5B20-ECE1-C729A90ED05D}"/>
-              </a:ext>
-            </a:extLst>
-          </p:cNvPr>
+          <p:cNvPr id="10244" name="Rectangle 11"/>
           <p:cNvSpPr>
             <a:spLocks noChangeArrowheads="1"/>
           </p:cNvSpPr>
@@ -7475,7 +8325,7 @@
             <a:fld id="{1234D2FF-8FB9-47A1-B8C9-42A5F500BA2F}" type="slidenum">
               <a:rPr lang="pt-PT" sz="1000"/>
               <a:pPr algn="ctr"/>
-              <a:t>4</a:t>
+              <a:t>5</a:t>
             </a:fld>
             <a:r>
               <a:rPr lang="pt-PT" sz="1000" dirty="0"/>
@@ -7484,12 +8334,357 @@
           </a:p>
         </p:txBody>
       </p:sp>
+      <p:sp>
+        <p:nvSpPr>
+          <p:cNvPr id="9229" name="Text Box 13"/>
+          <p:cNvSpPr txBox="1">
+            <a:spLocks noChangeArrowheads="1"/>
+          </p:cNvSpPr>
+          <p:nvPr/>
+        </p:nvSpPr>
+        <p:spPr bwMode="auto">
+          <a:xfrm>
+            <a:off x="306388" y="557213"/>
+            <a:ext cx="6981825" cy="400050"/>
+          </a:xfrm>
+          <a:prstGeom prst="rect">
+            <a:avLst/>
+          </a:prstGeom>
+          <a:noFill/>
+          <a:ln w="9525">
+            <a:noFill/>
+            <a:miter lim="800000"/>
+            <a:headEnd/>
+            <a:tailEnd/>
+          </a:ln>
+          <a:effectLst/>
+        </p:spPr>
+        <p:txBody>
+          <a:bodyPr>
+            <a:spAutoFit/>
+          </a:bodyPr>
+          <a:lstStyle/>
+          <a:p>
+            <a:pPr>
+              <a:spcBef>
+                <a:spcPct val="50000"/>
+              </a:spcBef>
+              <a:defRPr/>
+            </a:pPr>
+            <a:r>
+              <a:rPr lang="pt-PT" sz="2000" b="1" dirty="0">
+                <a:solidFill>
+                  <a:srgbClr val="C00000"/>
+                </a:solidFill>
+                <a:effectLst>
+                  <a:outerShdw blurRad="38100" dist="38100" dir="2700000" algn="tl">
+                    <a:srgbClr val="C0C0C0"/>
+                  </a:outerShdw>
+                </a:effectLst>
+                <a:latin typeface="Arial"/>
+                <a:cs typeface="Arial"/>
+              </a:rPr>
+              <a:t>■</a:t>
+            </a:r>
+            <a:r>
+              <a:rPr lang="pt-PT" sz="2000" b="1" dirty="0">
+                <a:effectLst>
+                  <a:outerShdw blurRad="38100" dist="38100" dir="2700000" algn="tl">
+                    <a:srgbClr val="C0C0C0"/>
+                  </a:outerShdw>
+                </a:effectLst>
+                <a:latin typeface="Arial"/>
+                <a:cs typeface="Arial"/>
+              </a:rPr>
+              <a:t> Conclusão</a:t>
+            </a:r>
+            <a:endParaRPr lang="pt-PT" sz="2000" b="1" dirty="0">
+              <a:effectLst>
+                <a:outerShdw blurRad="38100" dist="38100" dir="2700000" algn="tl">
+                  <a:srgbClr val="C0C0C0"/>
+                </a:outerShdw>
+              </a:effectLst>
+              <a:latin typeface="Arial" charset="0"/>
+            </a:endParaRPr>
+          </a:p>
+        </p:txBody>
+      </p:sp>
+      <p:sp>
+        <p:nvSpPr>
+          <p:cNvPr id="10247" name="Line 15"/>
+          <p:cNvSpPr>
+            <a:spLocks noChangeShapeType="1"/>
+          </p:cNvSpPr>
+          <p:nvPr/>
+        </p:nvSpPr>
+        <p:spPr bwMode="auto">
+          <a:xfrm>
+            <a:off x="250825" y="0"/>
+            <a:ext cx="0" cy="765175"/>
+          </a:xfrm>
+          <a:prstGeom prst="line">
+            <a:avLst/>
+          </a:prstGeom>
+          <a:noFill/>
+          <a:ln w="25400">
+            <a:solidFill>
+              <a:schemeClr val="tx1"/>
+            </a:solidFill>
+            <a:round/>
+            <a:headEnd/>
+            <a:tailEnd/>
+          </a:ln>
+        </p:spPr>
+        <p:txBody>
+          <a:bodyPr/>
+          <a:lstStyle/>
+          <a:p>
+            <a:endParaRPr lang="pt-PT"/>
+          </a:p>
+        </p:txBody>
+      </p:sp>
+      <p:sp>
+        <p:nvSpPr>
+          <p:cNvPr id="19" name="Marcador de Posição de Conteúdo 2"/>
+          <p:cNvSpPr txBox="1">
+            <a:spLocks/>
+          </p:cNvSpPr>
+          <p:nvPr/>
+        </p:nvSpPr>
+        <p:spPr>
+          <a:xfrm>
+            <a:off x="457200" y="1219200"/>
+            <a:ext cx="8229600" cy="4937760"/>
+          </a:xfrm>
+          <a:prstGeom prst="rect">
+            <a:avLst/>
+          </a:prstGeom>
+        </p:spPr>
+        <p:txBody>
+          <a:bodyPr vert="horz" lIns="91440" tIns="45720" rIns="91440" bIns="45720" rtlCol="0">
+            <a:normAutofit fontScale="92500" lnSpcReduction="10000"/>
+          </a:bodyPr>
+          <a:lstStyle/>
+          <a:p>
+            <a:pPr>
+              <a:lnSpc>
+                <a:spcPct val="150000"/>
+              </a:lnSpc>
+            </a:pPr>
+            <a:r>
+              <a:rPr lang="pt-PT" sz="1900" dirty="0">
+                <a:cs typeface="Arial" panose="020B0604020202020204" pitchFamily="34" charset="0"/>
+              </a:rPr>
+              <a:t>Este trabalho prático em Integração de Sistemas destacou-se pela implementação eficaz de uma solução abrangente. Escolhe-mos um </a:t>
+            </a:r>
+            <a:r>
+              <a:rPr lang="pt-PT" sz="1900" dirty="0" err="1">
+                <a:cs typeface="Arial" panose="020B0604020202020204" pitchFamily="34" charset="0"/>
+              </a:rPr>
+              <a:t>dataset</a:t>
+            </a:r>
+            <a:r>
+              <a:rPr lang="pt-PT" sz="1900" dirty="0">
+                <a:cs typeface="Arial" panose="020B0604020202020204" pitchFamily="34" charset="0"/>
+              </a:rPr>
+              <a:t> específico do </a:t>
+            </a:r>
+            <a:r>
+              <a:rPr lang="pt-PT" sz="1900" dirty="0" err="1">
+                <a:cs typeface="Arial" panose="020B0604020202020204" pitchFamily="34" charset="0"/>
+              </a:rPr>
+              <a:t>Kaggle</a:t>
+            </a:r>
+            <a:r>
+              <a:rPr lang="pt-PT" sz="1900" dirty="0">
+                <a:cs typeface="Arial" panose="020B0604020202020204" pitchFamily="34" charset="0"/>
+              </a:rPr>
+              <a:t> em CSV, aplicando habilmente os conceitos aprendidos para criar um novo formato XML e o seu respetivo </a:t>
+            </a:r>
+            <a:r>
+              <a:rPr lang="pt-PT" sz="1900" dirty="0" err="1">
+                <a:cs typeface="Arial" panose="020B0604020202020204" pitchFamily="34" charset="0"/>
+              </a:rPr>
+              <a:t>Schema</a:t>
+            </a:r>
+            <a:r>
+              <a:rPr lang="pt-PT" sz="1900" dirty="0">
+                <a:cs typeface="Arial" panose="020B0604020202020204" pitchFamily="34" charset="0"/>
+              </a:rPr>
+              <a:t>. A inclusão de informações de localização, obtidas via </a:t>
+            </a:r>
+            <a:r>
+              <a:rPr lang="pt-PT" sz="1900" dirty="0" err="1">
+                <a:cs typeface="Arial" panose="020B0604020202020204" pitchFamily="34" charset="0"/>
+              </a:rPr>
+              <a:t>Nominatim</a:t>
+            </a:r>
+            <a:r>
+              <a:rPr lang="pt-PT" sz="1900" dirty="0">
+                <a:cs typeface="Arial" panose="020B0604020202020204" pitchFamily="34" charset="0"/>
+              </a:rPr>
+              <a:t>, enriqueceu o conteúdo, enquanto a integração com o </a:t>
+            </a:r>
+            <a:r>
+              <a:rPr lang="pt-PT" sz="1900" dirty="0" err="1">
+                <a:cs typeface="Arial" panose="020B0604020202020204" pitchFamily="34" charset="0"/>
+              </a:rPr>
+              <a:t>PostgreSQL</a:t>
+            </a:r>
+            <a:r>
+              <a:rPr lang="pt-PT" sz="1900" dirty="0">
+                <a:cs typeface="Arial" panose="020B0604020202020204" pitchFamily="34" charset="0"/>
+              </a:rPr>
+              <a:t>, através de métodos XMLRPC, solidificou a base do projeto.</a:t>
+            </a:r>
+          </a:p>
+          <a:p>
+            <a:pPr>
+              <a:lnSpc>
+                <a:spcPct val="150000"/>
+              </a:lnSpc>
+            </a:pPr>
+            <a:endParaRPr lang="pt-PT" sz="1900" dirty="0">
+              <a:cs typeface="Arial" panose="020B0604020202020204" pitchFamily="34" charset="0"/>
+            </a:endParaRPr>
+          </a:p>
+          <a:p>
+            <a:pPr>
+              <a:lnSpc>
+                <a:spcPct val="150000"/>
+              </a:lnSpc>
+            </a:pPr>
+            <a:r>
+              <a:rPr lang="pt-PT" sz="1900" dirty="0">
+                <a:cs typeface="Arial" panose="020B0604020202020204" pitchFamily="34" charset="0"/>
+              </a:rPr>
+              <a:t>A solução oferece flexibilidade, permitindo a adição e remoção de ficheiros XML, além de disponibilizar funcionalidades avançadas através de função RPC. Este projeto não só aprimorou as nossas competências práticas, mas também proporcionou uma visão aprofundada das complexidades envolvidas na integração de sistemas e na gestão de dados estruturados.</a:t>
+            </a:r>
+          </a:p>
+          <a:p>
+            <a:pPr marL="457200" marR="0" lvl="1" indent="0" defTabSz="914400" rtl="0" eaLnBrk="1" fontAlgn="auto" latinLnBrk="0" hangingPunct="1">
+              <a:lnSpc>
+                <a:spcPct val="200000"/>
+              </a:lnSpc>
+              <a:spcBef>
+                <a:spcPct val="20000"/>
+              </a:spcBef>
+              <a:spcAft>
+                <a:spcPts val="0"/>
+              </a:spcAft>
+              <a:buClrTx/>
+              <a:buSzTx/>
+              <a:buFont typeface="Arial" pitchFamily="34" charset="0"/>
+              <a:buNone/>
+              <a:tabLst/>
+              <a:defRPr/>
+            </a:pPr>
+            <a:endParaRPr kumimoji="0" lang="pt-PT" sz="2000" b="0" i="0" u="none" strike="noStrike" kern="1200" cap="none" spc="0" normalizeH="0" baseline="0" noProof="0" dirty="0">
+              <a:ln>
+                <a:noFill/>
+              </a:ln>
+              <a:effectLst/>
+              <a:uLnTx/>
+              <a:uFillTx/>
+              <a:latin typeface="Arial" pitchFamily="34" charset="0"/>
+              <a:cs typeface="Arial" pitchFamily="34" charset="0"/>
+            </a:endParaRPr>
+          </a:p>
+          <a:p>
+            <a:pPr marL="0" marR="0" lvl="0" indent="0" defTabSz="914400" rtl="0" eaLnBrk="1" fontAlgn="auto" latinLnBrk="0" hangingPunct="1">
+              <a:lnSpc>
+                <a:spcPct val="200000"/>
+              </a:lnSpc>
+              <a:spcBef>
+                <a:spcPct val="20000"/>
+              </a:spcBef>
+              <a:spcAft>
+                <a:spcPts val="0"/>
+              </a:spcAft>
+              <a:buClrTx/>
+              <a:buSzTx/>
+              <a:buFont typeface="Arial" pitchFamily="34" charset="0"/>
+              <a:buNone/>
+              <a:tabLst/>
+              <a:defRPr/>
+            </a:pPr>
+            <a:endParaRPr kumimoji="0" lang="pt-PT" sz="2000" b="0" i="0" u="none" strike="noStrike" kern="1200" cap="none" spc="0" normalizeH="0" baseline="0" noProof="0" dirty="0">
+              <a:ln>
+                <a:noFill/>
+              </a:ln>
+              <a:effectLst/>
+              <a:uLnTx/>
+              <a:uFillTx/>
+              <a:latin typeface="Arial" pitchFamily="34" charset="0"/>
+              <a:cs typeface="Arial" pitchFamily="34" charset="0"/>
+            </a:endParaRPr>
+          </a:p>
+          <a:p>
+            <a:pPr marL="0" marR="0" lvl="0" indent="0" defTabSz="914400" rtl="0" eaLnBrk="1" fontAlgn="auto" latinLnBrk="0" hangingPunct="1">
+              <a:lnSpc>
+                <a:spcPct val="200000"/>
+              </a:lnSpc>
+              <a:spcBef>
+                <a:spcPct val="20000"/>
+              </a:spcBef>
+              <a:spcAft>
+                <a:spcPts val="0"/>
+              </a:spcAft>
+              <a:buClrTx/>
+              <a:buSzTx/>
+              <a:buFont typeface="Arial" pitchFamily="34" charset="0"/>
+              <a:buNone/>
+              <a:tabLst/>
+              <a:defRPr/>
+            </a:pPr>
+            <a:endParaRPr kumimoji="0" lang="pt-PT" sz="2000" b="0" i="0" u="none" strike="noStrike" kern="1200" cap="none" spc="0" normalizeH="0" baseline="0" noProof="0" dirty="0">
+              <a:ln>
+                <a:noFill/>
+              </a:ln>
+              <a:effectLst/>
+              <a:uLnTx/>
+              <a:uFillTx/>
+              <a:latin typeface="Arial" pitchFamily="34" charset="0"/>
+              <a:cs typeface="Arial" pitchFamily="34" charset="0"/>
+            </a:endParaRPr>
+          </a:p>
+          <a:p>
+            <a:pPr marL="0" marR="0" lvl="0" indent="0" defTabSz="914400" rtl="0" eaLnBrk="1" fontAlgn="auto" latinLnBrk="0" hangingPunct="1">
+              <a:lnSpc>
+                <a:spcPct val="200000"/>
+              </a:lnSpc>
+              <a:spcBef>
+                <a:spcPct val="20000"/>
+              </a:spcBef>
+              <a:spcAft>
+                <a:spcPts val="0"/>
+              </a:spcAft>
+              <a:buClrTx/>
+              <a:buSzTx/>
+              <a:buFont typeface="Arial" pitchFamily="34" charset="0"/>
+              <a:buNone/>
+              <a:tabLst/>
+              <a:defRPr/>
+            </a:pPr>
+            <a:endParaRPr kumimoji="0" lang="pt-PT" sz="2000" b="0" i="0" u="none" strike="noStrike" kern="1200" cap="none" spc="0" normalizeH="0" baseline="0" noProof="0" dirty="0">
+              <a:ln>
+                <a:noFill/>
+              </a:ln>
+              <a:effectLst/>
+              <a:uLnTx/>
+              <a:uFillTx/>
+              <a:latin typeface="Arial" pitchFamily="34" charset="0"/>
+              <a:cs typeface="Arial" pitchFamily="34" charset="0"/>
+            </a:endParaRPr>
+          </a:p>
+        </p:txBody>
+      </p:sp>
       <p:pic>
         <p:nvPicPr>
-          <p:cNvPr id="4" name="Imagem 3">
+          <p:cNvPr id="7" name="Imagem 6">
             <a:extLst>
               <a:ext uri="{FF2B5EF4-FFF2-40B4-BE49-F238E27FC236}">
-                <a16:creationId xmlns:a16="http://schemas.microsoft.com/office/drawing/2014/main" id="{8E16A8DF-702E-2F9F-FC6A-BBE9CEF5C36F}"/>
+                <a16:creationId xmlns:a16="http://schemas.microsoft.com/office/drawing/2014/main" id="{54D42837-E70D-4C64-A8A7-E7F751502B92}"/>
               </a:ext>
             </a:extLst>
           </p:cNvPr>
@@ -7499,7 +8694,37 @@
           <p:nvPr/>
         </p:nvPicPr>
         <p:blipFill>
-          <a:blip r:embed="rId6"/>
+          <a:blip r:embed="rId3"/>
+          <a:stretch>
+            <a:fillRect/>
+          </a:stretch>
+        </p:blipFill>
+        <p:spPr>
+          <a:xfrm>
+            <a:off x="101225" y="904241"/>
+            <a:ext cx="9014192" cy="266482"/>
+          </a:xfrm>
+          <a:prstGeom prst="rect">
+            <a:avLst/>
+          </a:prstGeom>
+        </p:spPr>
+      </p:pic>
+      <p:pic>
+        <p:nvPicPr>
+          <p:cNvPr id="9" name="Imagem 8">
+            <a:extLst>
+              <a:ext uri="{FF2B5EF4-FFF2-40B4-BE49-F238E27FC236}">
+                <a16:creationId xmlns:a16="http://schemas.microsoft.com/office/drawing/2014/main" id="{81982921-1900-46B5-BE82-07BECCD63918}"/>
+              </a:ext>
+            </a:extLst>
+          </p:cNvPr>
+          <p:cNvPicPr>
+            <a:picLocks noChangeAspect="1"/>
+          </p:cNvPicPr>
+          <p:nvPr/>
+        </p:nvPicPr>
+        <p:blipFill>
+          <a:blip r:embed="rId4"/>
           <a:stretch>
             <a:fillRect/>
           </a:stretch>
@@ -7516,10 +8741,10 @@
       </p:pic>
       <p:pic>
         <p:nvPicPr>
-          <p:cNvPr id="5" name="Imagem 4">
+          <p:cNvPr id="13" name="Imagem 12">
             <a:extLst>
               <a:ext uri="{FF2B5EF4-FFF2-40B4-BE49-F238E27FC236}">
-                <a16:creationId xmlns:a16="http://schemas.microsoft.com/office/drawing/2014/main" id="{6678794F-9054-EA7B-B1E0-DF67F1547B87}"/>
+                <a16:creationId xmlns:a16="http://schemas.microsoft.com/office/drawing/2014/main" id="{BE263CB9-5E3B-4385-9450-974CDF0F6C7D}"/>
               </a:ext>
             </a:extLst>
           </p:cNvPr>
@@ -7529,7 +8754,7 @@
           <p:nvPr/>
         </p:nvPicPr>
         <p:blipFill>
-          <a:blip r:embed="rId7" cstate="print">
+          <a:blip r:embed="rId5" cstate="print">
             <a:extLst>
               <a:ext uri="{28A0092B-C50C-407E-A947-70E740481C1C}">
                 <a14:useLocalDpi xmlns:a14="http://schemas.microsoft.com/office/drawing/2010/main" val="0"/>
@@ -7550,12 +8775,48 @@
           </a:prstGeom>
         </p:spPr>
       </p:pic>
+      <p:pic>
+        <p:nvPicPr>
+          <p:cNvPr id="5" name="Imagem 4">
+            <a:extLst>
+              <a:ext uri="{FF2B5EF4-FFF2-40B4-BE49-F238E27FC236}">
+                <a16:creationId xmlns:a16="http://schemas.microsoft.com/office/drawing/2014/main" id="{4B69841B-4743-42E9-837A-73B87FC5C8CF}"/>
+              </a:ext>
+            </a:extLst>
+          </p:cNvPr>
+          <p:cNvPicPr>
+            <a:picLocks noChangeAspect="1"/>
+          </p:cNvPicPr>
+          <p:nvPr/>
+        </p:nvPicPr>
+        <p:blipFill>
+          <a:blip r:embed="rId6" cstate="print">
+            <a:extLst>
+              <a:ext uri="{28A0092B-C50C-407E-A947-70E740481C1C}">
+                <a14:useLocalDpi xmlns:a14="http://schemas.microsoft.com/office/drawing/2010/main" val="0"/>
+              </a:ext>
+            </a:extLst>
+          </a:blip>
+          <a:stretch>
+            <a:fillRect/>
+          </a:stretch>
+        </p:blipFill>
+        <p:spPr>
+          <a:xfrm>
+            <a:off x="6575316" y="9186"/>
+            <a:ext cx="2575034" cy="639880"/>
+          </a:xfrm>
+          <a:prstGeom prst="rect">
+            <a:avLst/>
+          </a:prstGeom>
+        </p:spPr>
+      </p:pic>
       <p:sp>
         <p:nvSpPr>
           <p:cNvPr id="8" name="Text Box 21">
             <a:extLst>
               <a:ext uri="{FF2B5EF4-FFF2-40B4-BE49-F238E27FC236}">
-                <a16:creationId xmlns:a16="http://schemas.microsoft.com/office/drawing/2014/main" id="{F4BB6CF2-DEBC-A61C-8393-BAA3152FA438}"/>
+                <a16:creationId xmlns:a16="http://schemas.microsoft.com/office/drawing/2014/main" id="{ED633BE1-0D6E-2745-55CA-DE97E4F19359}"/>
               </a:ext>
             </a:extLst>
           </p:cNvPr>
@@ -7609,6 +8870,1064 @@
       </p:sp>
       <p:sp>
         <p:nvSpPr>
+          <p:cNvPr id="10" name="Rectângulo 19">
+            <a:extLst>
+              <a:ext uri="{FF2B5EF4-FFF2-40B4-BE49-F238E27FC236}">
+                <a16:creationId xmlns:a16="http://schemas.microsoft.com/office/drawing/2014/main" id="{5CD9427E-0EE9-2894-BA75-507430F32E79}"/>
+              </a:ext>
+            </a:extLst>
+          </p:cNvPr>
+          <p:cNvSpPr/>
+          <p:nvPr/>
+        </p:nvSpPr>
+        <p:spPr>
+          <a:xfrm>
+            <a:off x="6519753" y="553019"/>
+            <a:ext cx="2521060" cy="261610"/>
+          </a:xfrm>
+          <a:prstGeom prst="rect">
+            <a:avLst/>
+          </a:prstGeom>
+        </p:spPr>
+        <p:txBody>
+          <a:bodyPr wrap="square">
+            <a:spAutoFit/>
+          </a:bodyPr>
+          <a:lstStyle/>
+          <a:p>
+            <a:pPr algn="r"/>
+            <a:r>
+              <a:rPr lang="pt-PT" sz="1100" b="1" cap="all" dirty="0" err="1">
+                <a:highlight>
+                  <a:srgbClr val="FFFF00"/>
+                </a:highlight>
+              </a:rPr>
+              <a:t>Degree</a:t>
+            </a:r>
+            <a:r>
+              <a:rPr lang="pt-PT" sz="1100" b="1" cap="all" dirty="0">
+                <a:highlight>
+                  <a:srgbClr val="FFFF00"/>
+                </a:highlight>
+              </a:rPr>
+              <a:t> IN </a:t>
+            </a:r>
+            <a:r>
+              <a:rPr lang="pt-PT" sz="1100" b="1" cap="all" dirty="0" err="1">
+                <a:highlight>
+                  <a:srgbClr val="FFFF00"/>
+                </a:highlight>
+              </a:rPr>
+              <a:t>Informatics</a:t>
+            </a:r>
+            <a:r>
+              <a:rPr lang="pt-PT" sz="1100" b="1" cap="all" dirty="0">
+                <a:highlight>
+                  <a:srgbClr val="FFFF00"/>
+                </a:highlight>
+              </a:rPr>
+              <a:t> </a:t>
+            </a:r>
+            <a:r>
+              <a:rPr lang="pt-PT" sz="1100" b="1" cap="all" dirty="0" err="1">
+                <a:highlight>
+                  <a:srgbClr val="FFFF00"/>
+                </a:highlight>
+              </a:rPr>
+              <a:t>engineering</a:t>
+            </a:r>
+            <a:endParaRPr lang="pt-PT" sz="1100" dirty="0">
+              <a:highlight>
+                <a:srgbClr val="FFFF00"/>
+              </a:highlight>
+            </a:endParaRPr>
+          </a:p>
+        </p:txBody>
+      </p:sp>
+      <p:sp>
+        <p:nvSpPr>
+          <p:cNvPr id="11" name="Subtítulo 2">
+            <a:extLst>
+              <a:ext uri="{FF2B5EF4-FFF2-40B4-BE49-F238E27FC236}">
+                <a16:creationId xmlns:a16="http://schemas.microsoft.com/office/drawing/2014/main" id="{5F6AFA29-8B02-CA6D-109B-B13796302250}"/>
+              </a:ext>
+            </a:extLst>
+          </p:cNvPr>
+          <p:cNvSpPr txBox="1">
+            <a:spLocks/>
+          </p:cNvSpPr>
+          <p:nvPr/>
+        </p:nvSpPr>
+        <p:spPr>
+          <a:xfrm>
+            <a:off x="836017" y="6524516"/>
+            <a:ext cx="7698382" cy="162409"/>
+          </a:xfrm>
+          <a:prstGeom prst="rect">
+            <a:avLst/>
+          </a:prstGeom>
+        </p:spPr>
+        <p:txBody>
+          <a:bodyPr vert="horz" lIns="68580" tIns="34290" rIns="68580" bIns="34290" rtlCol="0">
+            <a:normAutofit fontScale="92500" lnSpcReduction="20000"/>
+          </a:bodyPr>
+          <a:lstStyle>
+            <a:lvl1pPr marL="0" indent="0" algn="ctr" defTabSz="914400" rtl="0" eaLnBrk="1" latinLnBrk="0" hangingPunct="1">
+              <a:lnSpc>
+                <a:spcPct val="90000"/>
+              </a:lnSpc>
+              <a:spcBef>
+                <a:spcPts val="1000"/>
+              </a:spcBef>
+              <a:buFont typeface="Arial" panose="020B0604020202020204" pitchFamily="34" charset="0"/>
+              <a:buNone/>
+              <a:defRPr sz="2400" kern="1200">
+                <a:solidFill>
+                  <a:schemeClr val="tx1"/>
+                </a:solidFill>
+                <a:latin typeface="+mn-lt"/>
+                <a:ea typeface="+mn-ea"/>
+                <a:cs typeface="+mn-cs"/>
+              </a:defRPr>
+            </a:lvl1pPr>
+            <a:lvl2pPr marL="457200" indent="0" algn="ctr" defTabSz="914400" rtl="0" eaLnBrk="1" latinLnBrk="0" hangingPunct="1">
+              <a:lnSpc>
+                <a:spcPct val="90000"/>
+              </a:lnSpc>
+              <a:spcBef>
+                <a:spcPts val="500"/>
+              </a:spcBef>
+              <a:buFont typeface="Arial" panose="020B0604020202020204" pitchFamily="34" charset="0"/>
+              <a:buNone/>
+              <a:defRPr sz="2000" kern="1200">
+                <a:solidFill>
+                  <a:schemeClr val="tx1"/>
+                </a:solidFill>
+                <a:latin typeface="+mn-lt"/>
+                <a:ea typeface="+mn-ea"/>
+                <a:cs typeface="+mn-cs"/>
+              </a:defRPr>
+            </a:lvl2pPr>
+            <a:lvl3pPr marL="914400" indent="0" algn="ctr" defTabSz="914400" rtl="0" eaLnBrk="1" latinLnBrk="0" hangingPunct="1">
+              <a:lnSpc>
+                <a:spcPct val="90000"/>
+              </a:lnSpc>
+              <a:spcBef>
+                <a:spcPts val="500"/>
+              </a:spcBef>
+              <a:buFont typeface="Arial" panose="020B0604020202020204" pitchFamily="34" charset="0"/>
+              <a:buNone/>
+              <a:defRPr sz="1800" kern="1200">
+                <a:solidFill>
+                  <a:schemeClr val="tx1"/>
+                </a:solidFill>
+                <a:latin typeface="+mn-lt"/>
+                <a:ea typeface="+mn-ea"/>
+                <a:cs typeface="+mn-cs"/>
+              </a:defRPr>
+            </a:lvl3pPr>
+            <a:lvl4pPr marL="1371600" indent="0" algn="ctr" defTabSz="914400" rtl="0" eaLnBrk="1" latinLnBrk="0" hangingPunct="1">
+              <a:lnSpc>
+                <a:spcPct val="90000"/>
+              </a:lnSpc>
+              <a:spcBef>
+                <a:spcPts val="500"/>
+              </a:spcBef>
+              <a:buFont typeface="Arial" panose="020B0604020202020204" pitchFamily="34" charset="0"/>
+              <a:buNone/>
+              <a:defRPr sz="1600" kern="1200">
+                <a:solidFill>
+                  <a:schemeClr val="tx1"/>
+                </a:solidFill>
+                <a:latin typeface="+mn-lt"/>
+                <a:ea typeface="+mn-ea"/>
+                <a:cs typeface="+mn-cs"/>
+              </a:defRPr>
+            </a:lvl4pPr>
+            <a:lvl5pPr marL="1828800" indent="0" algn="ctr" defTabSz="914400" rtl="0" eaLnBrk="1" latinLnBrk="0" hangingPunct="1">
+              <a:lnSpc>
+                <a:spcPct val="90000"/>
+              </a:lnSpc>
+              <a:spcBef>
+                <a:spcPts val="500"/>
+              </a:spcBef>
+              <a:buFont typeface="Arial" panose="020B0604020202020204" pitchFamily="34" charset="0"/>
+              <a:buNone/>
+              <a:defRPr sz="1600" kern="1200">
+                <a:solidFill>
+                  <a:schemeClr val="tx1"/>
+                </a:solidFill>
+                <a:latin typeface="+mn-lt"/>
+                <a:ea typeface="+mn-ea"/>
+                <a:cs typeface="+mn-cs"/>
+              </a:defRPr>
+            </a:lvl5pPr>
+            <a:lvl6pPr marL="2286000" indent="0" algn="ctr" defTabSz="914400" rtl="0" eaLnBrk="1" latinLnBrk="0" hangingPunct="1">
+              <a:lnSpc>
+                <a:spcPct val="90000"/>
+              </a:lnSpc>
+              <a:spcBef>
+                <a:spcPts val="500"/>
+              </a:spcBef>
+              <a:buFont typeface="Arial" panose="020B0604020202020204" pitchFamily="34" charset="0"/>
+              <a:buNone/>
+              <a:defRPr sz="1600" kern="1200">
+                <a:solidFill>
+                  <a:schemeClr val="tx1"/>
+                </a:solidFill>
+                <a:latin typeface="+mn-lt"/>
+                <a:ea typeface="+mn-ea"/>
+                <a:cs typeface="+mn-cs"/>
+              </a:defRPr>
+            </a:lvl6pPr>
+            <a:lvl7pPr marL="2743200" indent="0" algn="ctr" defTabSz="914400" rtl="0" eaLnBrk="1" latinLnBrk="0" hangingPunct="1">
+              <a:lnSpc>
+                <a:spcPct val="90000"/>
+              </a:lnSpc>
+              <a:spcBef>
+                <a:spcPts val="500"/>
+              </a:spcBef>
+              <a:buFont typeface="Arial" panose="020B0604020202020204" pitchFamily="34" charset="0"/>
+              <a:buNone/>
+              <a:defRPr sz="1600" kern="1200">
+                <a:solidFill>
+                  <a:schemeClr val="tx1"/>
+                </a:solidFill>
+                <a:latin typeface="+mn-lt"/>
+                <a:ea typeface="+mn-ea"/>
+                <a:cs typeface="+mn-cs"/>
+              </a:defRPr>
+            </a:lvl7pPr>
+            <a:lvl8pPr marL="3200400" indent="0" algn="ctr" defTabSz="914400" rtl="0" eaLnBrk="1" latinLnBrk="0" hangingPunct="1">
+              <a:lnSpc>
+                <a:spcPct val="90000"/>
+              </a:lnSpc>
+              <a:spcBef>
+                <a:spcPts val="500"/>
+              </a:spcBef>
+              <a:buFont typeface="Arial" panose="020B0604020202020204" pitchFamily="34" charset="0"/>
+              <a:buNone/>
+              <a:defRPr sz="1600" kern="1200">
+                <a:solidFill>
+                  <a:schemeClr val="tx1"/>
+                </a:solidFill>
+                <a:latin typeface="+mn-lt"/>
+                <a:ea typeface="+mn-ea"/>
+                <a:cs typeface="+mn-cs"/>
+              </a:defRPr>
+            </a:lvl8pPr>
+            <a:lvl9pPr marL="3657600" indent="0" algn="ctr" defTabSz="914400" rtl="0" eaLnBrk="1" latinLnBrk="0" hangingPunct="1">
+              <a:lnSpc>
+                <a:spcPct val="90000"/>
+              </a:lnSpc>
+              <a:spcBef>
+                <a:spcPts val="500"/>
+              </a:spcBef>
+              <a:buFont typeface="Arial" panose="020B0604020202020204" pitchFamily="34" charset="0"/>
+              <a:buNone/>
+              <a:defRPr sz="1600" kern="1200">
+                <a:solidFill>
+                  <a:schemeClr val="tx1"/>
+                </a:solidFill>
+                <a:latin typeface="+mn-lt"/>
+                <a:ea typeface="+mn-ea"/>
+                <a:cs typeface="+mn-cs"/>
+              </a:defRPr>
+            </a:lvl9pPr>
+          </a:lstStyle>
+          <a:p>
+            <a:pPr algn="l"/>
+            <a:r>
+              <a:rPr lang="pt-PT" sz="900" dirty="0">
+                <a:latin typeface="Arial" charset="0"/>
+                <a:ea typeface="Arial" charset="0"/>
+                <a:cs typeface="Arial" charset="0"/>
+              </a:rPr>
+              <a:t>@Alexandre Santos, Rui Alves | </a:t>
+            </a:r>
+            <a:r>
+              <a:rPr lang="pt-PT" sz="900" b="1" dirty="0">
+                <a:solidFill>
+                  <a:srgbClr val="C00000"/>
+                </a:solidFill>
+                <a:latin typeface="Arial" charset="0"/>
+                <a:ea typeface="Arial" charset="0"/>
+                <a:cs typeface="Arial" charset="0"/>
+              </a:rPr>
+              <a:t>Unidade Curricular: INTEGRAÇÃO DE SISTEMAS </a:t>
+            </a:r>
+            <a:r>
+              <a:rPr lang="pt-PT" sz="900" dirty="0">
+                <a:latin typeface="Arial" charset="0"/>
+                <a:ea typeface="Arial" charset="0"/>
+                <a:cs typeface="Arial" charset="0"/>
+              </a:rPr>
+              <a:t>– Ano Letivo 2023/2024 – </a:t>
+            </a:r>
+            <a:r>
+              <a:rPr lang="pt-PT" sz="900" b="1" dirty="0">
+                <a:latin typeface="Arial" charset="0"/>
+                <a:ea typeface="Arial" charset="0"/>
+                <a:cs typeface="Arial" charset="0"/>
+              </a:rPr>
+              <a:t>Trabalho Prático 1-B</a:t>
+            </a:r>
+          </a:p>
+        </p:txBody>
+      </p:sp>
+    </p:spTree>
+    <p:extLst>
+      <p:ext uri="{BB962C8B-B14F-4D97-AF65-F5344CB8AC3E}">
+        <p14:creationId xmlns:p14="http://schemas.microsoft.com/office/powerpoint/2010/main" val="918021531"/>
+      </p:ext>
+    </p:extLst>
+  </p:cSld>
+  <p:clrMapOvr>
+    <a:masterClrMapping/>
+  </p:clrMapOvr>
+</p:sld>
+</file>
+
+<file path=ppt/slides/slide6.xml><?xml version="1.0" encoding="utf-8"?>
+<p:sld xmlns:a="http://schemas.openxmlformats.org/drawingml/2006/main" xmlns:r="http://schemas.openxmlformats.org/officeDocument/2006/relationships" xmlns:p="http://schemas.openxmlformats.org/presentationml/2006/main">
+  <p:cSld>
+    <p:spTree>
+      <p:nvGrpSpPr>
+        <p:cNvPr id="1" name=""/>
+        <p:cNvGrpSpPr/>
+        <p:nvPr/>
+      </p:nvGrpSpPr>
+      <p:grpSpPr>
+        <a:xfrm>
+          <a:off x="0" y="0"/>
+          <a:ext cx="0" cy="0"/>
+          <a:chOff x="0" y="0"/>
+          <a:chExt cx="0" cy="0"/>
+        </a:xfrm>
+      </p:grpSpPr>
+      <p:sp>
+        <p:nvSpPr>
+          <p:cNvPr id="9229" name="Text Box 13"/>
+          <p:cNvSpPr txBox="1">
+            <a:spLocks noChangeArrowheads="1"/>
+          </p:cNvSpPr>
+          <p:nvPr/>
+        </p:nvSpPr>
+        <p:spPr bwMode="auto">
+          <a:xfrm>
+            <a:off x="306388" y="557213"/>
+            <a:ext cx="6981825" cy="400110"/>
+          </a:xfrm>
+          <a:prstGeom prst="rect">
+            <a:avLst/>
+          </a:prstGeom>
+          <a:noFill/>
+          <a:ln w="9525">
+            <a:noFill/>
+            <a:miter lim="800000"/>
+            <a:headEnd/>
+            <a:tailEnd/>
+          </a:ln>
+          <a:effectLst/>
+        </p:spPr>
+        <p:txBody>
+          <a:bodyPr>
+            <a:spAutoFit/>
+          </a:bodyPr>
+          <a:lstStyle/>
+          <a:p>
+            <a:pPr>
+              <a:spcBef>
+                <a:spcPct val="50000"/>
+              </a:spcBef>
+              <a:defRPr/>
+            </a:pPr>
+            <a:r>
+              <a:rPr lang="pt-PT" sz="2000" b="1" dirty="0">
+                <a:solidFill>
+                  <a:srgbClr val="C00000"/>
+                </a:solidFill>
+                <a:effectLst>
+                  <a:outerShdw blurRad="38100" dist="38100" dir="2700000" algn="tl">
+                    <a:srgbClr val="C0C0C0"/>
+                  </a:outerShdw>
+                </a:effectLst>
+                <a:latin typeface="Arial"/>
+                <a:cs typeface="Arial"/>
+              </a:rPr>
+              <a:t>■</a:t>
+            </a:r>
+            <a:r>
+              <a:rPr lang="pt-PT" sz="2000" b="1" dirty="0">
+                <a:effectLst>
+                  <a:outerShdw blurRad="38100" dist="38100" dir="2700000" algn="tl">
+                    <a:srgbClr val="C0C0C0"/>
+                  </a:outerShdw>
+                </a:effectLst>
+                <a:latin typeface="Arial"/>
+                <a:cs typeface="Arial"/>
+              </a:rPr>
+              <a:t> </a:t>
+            </a:r>
+            <a:r>
+              <a:rPr lang="en-US" sz="2000" b="1" dirty="0">
+                <a:effectLst>
+                  <a:outerShdw blurRad="38100" dist="38100" dir="2700000" algn="tl">
+                    <a:srgbClr val="C0C0C0"/>
+                  </a:outerShdw>
+                </a:effectLst>
+                <a:latin typeface="Arial" pitchFamily="34" charset="0"/>
+                <a:cs typeface="Arial" pitchFamily="34" charset="0"/>
+              </a:rPr>
+              <a:t>6</a:t>
+            </a:r>
+            <a:r>
+              <a:rPr lang="en-US" sz="2000" b="1" dirty="0">
+                <a:latin typeface="Arial" pitchFamily="34" charset="0"/>
+                <a:cs typeface="Arial" pitchFamily="34" charset="0"/>
+              </a:rPr>
+              <a:t>. </a:t>
+            </a:r>
+            <a:r>
+              <a:rPr lang="en-US" sz="2000" b="1" dirty="0" err="1">
+                <a:latin typeface="Arial" pitchFamily="34" charset="0"/>
+                <a:cs typeface="Arial" pitchFamily="34" charset="0"/>
+              </a:rPr>
+              <a:t>Bibliografia</a:t>
+            </a:r>
+            <a:r>
+              <a:rPr lang="en-US" sz="2000" b="1" dirty="0">
+                <a:latin typeface="Arial" pitchFamily="34" charset="0"/>
+                <a:cs typeface="Arial" pitchFamily="34" charset="0"/>
+              </a:rPr>
+              <a:t> e </a:t>
+            </a:r>
+            <a:r>
+              <a:rPr lang="en-US" sz="2000" b="1" dirty="0" err="1">
+                <a:latin typeface="Arial" pitchFamily="34" charset="0"/>
+                <a:cs typeface="Arial" pitchFamily="34" charset="0"/>
+              </a:rPr>
+              <a:t>Referências</a:t>
+            </a:r>
+            <a:r>
+              <a:rPr lang="en-US" sz="2000" b="1" dirty="0">
+                <a:latin typeface="Arial" pitchFamily="34" charset="0"/>
+                <a:cs typeface="Arial" pitchFamily="34" charset="0"/>
+              </a:rPr>
+              <a:t> Web </a:t>
+            </a:r>
+          </a:p>
+        </p:txBody>
+      </p:sp>
+      <p:sp>
+        <p:nvSpPr>
+          <p:cNvPr id="10247" name="Line 15"/>
+          <p:cNvSpPr>
+            <a:spLocks noChangeShapeType="1"/>
+          </p:cNvSpPr>
+          <p:nvPr/>
+        </p:nvSpPr>
+        <p:spPr bwMode="auto">
+          <a:xfrm>
+            <a:off x="250825" y="0"/>
+            <a:ext cx="0" cy="765175"/>
+          </a:xfrm>
+          <a:prstGeom prst="line">
+            <a:avLst/>
+          </a:prstGeom>
+          <a:noFill/>
+          <a:ln w="25400">
+            <a:solidFill>
+              <a:schemeClr val="tx1"/>
+            </a:solidFill>
+            <a:round/>
+            <a:headEnd/>
+            <a:tailEnd/>
+          </a:ln>
+        </p:spPr>
+        <p:txBody>
+          <a:bodyPr/>
+          <a:lstStyle/>
+          <a:p>
+            <a:endParaRPr lang="pt-PT"/>
+          </a:p>
+        </p:txBody>
+      </p:sp>
+      <p:sp>
+        <p:nvSpPr>
+          <p:cNvPr id="9237" name="Text Box 21"/>
+          <p:cNvSpPr txBox="1">
+            <a:spLocks noChangeArrowheads="1"/>
+          </p:cNvSpPr>
+          <p:nvPr/>
+        </p:nvSpPr>
+        <p:spPr bwMode="auto">
+          <a:xfrm>
+            <a:off x="260350" y="44450"/>
+            <a:ext cx="6981825" cy="304800"/>
+          </a:xfrm>
+          <a:prstGeom prst="rect">
+            <a:avLst/>
+          </a:prstGeom>
+          <a:noFill/>
+          <a:ln w="9525">
+            <a:noFill/>
+            <a:miter lim="800000"/>
+            <a:headEnd/>
+            <a:tailEnd/>
+          </a:ln>
+          <a:effectLst/>
+        </p:spPr>
+        <p:txBody>
+          <a:bodyPr>
+            <a:spAutoFit/>
+          </a:bodyPr>
+          <a:lstStyle/>
+          <a:p>
+            <a:pPr>
+              <a:spcBef>
+                <a:spcPct val="50000"/>
+              </a:spcBef>
+              <a:defRPr/>
+            </a:pPr>
+            <a:endParaRPr lang="pt-PT" sz="1400" b="1" dirty="0">
+              <a:solidFill>
+                <a:srgbClr val="FF3300"/>
+              </a:solidFill>
+              <a:effectLst>
+                <a:outerShdw blurRad="38100" dist="38100" dir="2700000" algn="tl">
+                  <a:srgbClr val="C0C0C0"/>
+                </a:outerShdw>
+              </a:effectLst>
+              <a:latin typeface="Arial" charset="0"/>
+            </a:endParaRPr>
+          </a:p>
+        </p:txBody>
+      </p:sp>
+      <p:sp>
+        <p:nvSpPr>
+          <p:cNvPr id="18" name="Content Placeholder 2"/>
+          <p:cNvSpPr txBox="1">
+            <a:spLocks/>
+          </p:cNvSpPr>
+          <p:nvPr/>
+        </p:nvSpPr>
+        <p:spPr>
+          <a:xfrm>
+            <a:off x="152400" y="1066800"/>
+            <a:ext cx="8839200" cy="5257800"/>
+          </a:xfrm>
+          <a:prstGeom prst="rect">
+            <a:avLst/>
+          </a:prstGeom>
+        </p:spPr>
+        <p:txBody>
+          <a:bodyPr vert="horz" lIns="91440" tIns="45720" rIns="91440" bIns="45720" rtlCol="0">
+            <a:normAutofit/>
+          </a:bodyPr>
+          <a:lstStyle/>
+          <a:p>
+            <a:pPr>
+              <a:lnSpc>
+                <a:spcPct val="200000"/>
+              </a:lnSpc>
+              <a:spcBef>
+                <a:spcPct val="20000"/>
+              </a:spcBef>
+              <a:defRPr/>
+            </a:pPr>
+            <a:r>
+              <a:rPr lang="en-US" sz="1600" dirty="0">
+                <a:solidFill>
+                  <a:srgbClr val="FFC000"/>
+                </a:solidFill>
+                <a:cs typeface="Arial" panose="020B0604020202020204" pitchFamily="34" charset="0"/>
+              </a:rPr>
+              <a:t>■ </a:t>
+            </a:r>
+            <a:r>
+              <a:rPr lang="en-US" sz="1600" dirty="0">
+                <a:cs typeface="Arial" panose="020B0604020202020204" pitchFamily="34" charset="0"/>
+              </a:rPr>
+              <a:t>XML Validator - </a:t>
+            </a:r>
+            <a:r>
+              <a:rPr lang="en-US" sz="1600" dirty="0">
+                <a:cs typeface="Arial" panose="020B0604020202020204" pitchFamily="34" charset="0"/>
+                <a:hlinkClick r:id="rId3"/>
+              </a:rPr>
+              <a:t>https://www.freeformatter.com/xml-validator-xsd.html</a:t>
+            </a:r>
+            <a:endParaRPr lang="en-US" sz="1600" dirty="0">
+              <a:cs typeface="Arial" panose="020B0604020202020204" pitchFamily="34" charset="0"/>
+            </a:endParaRPr>
+          </a:p>
+          <a:p>
+            <a:pPr>
+              <a:lnSpc>
+                <a:spcPct val="200000"/>
+              </a:lnSpc>
+              <a:spcBef>
+                <a:spcPct val="20000"/>
+              </a:spcBef>
+              <a:defRPr/>
+            </a:pPr>
+            <a:r>
+              <a:rPr lang="en-US" sz="1600" dirty="0">
+                <a:solidFill>
+                  <a:srgbClr val="FFC000"/>
+                </a:solidFill>
+                <a:cs typeface="Arial" panose="020B0604020202020204" pitchFamily="34" charset="0"/>
+              </a:rPr>
+              <a:t>■ </a:t>
+            </a:r>
+            <a:r>
+              <a:rPr lang="en-US" sz="1600" dirty="0">
+                <a:cs typeface="Arial" panose="020B0604020202020204" pitchFamily="34" charset="0"/>
+              </a:rPr>
+              <a:t>XML Schema - </a:t>
+            </a:r>
+            <a:r>
+              <a:rPr lang="en-US" sz="1600" dirty="0">
+                <a:cs typeface="Arial" panose="020B0604020202020204" pitchFamily="34" charset="0"/>
+                <a:hlinkClick r:id="rId4"/>
+              </a:rPr>
+              <a:t>https://www.liquid-technologies.com/xml-schema-tutorial/xsd-conventions</a:t>
+            </a:r>
+            <a:endParaRPr lang="en-US" sz="1600" dirty="0">
+              <a:cs typeface="Arial" panose="020B0604020202020204" pitchFamily="34" charset="0"/>
+            </a:endParaRPr>
+          </a:p>
+          <a:p>
+            <a:pPr>
+              <a:lnSpc>
+                <a:spcPct val="200000"/>
+              </a:lnSpc>
+              <a:spcBef>
+                <a:spcPct val="20000"/>
+              </a:spcBef>
+              <a:defRPr/>
+            </a:pPr>
+            <a:r>
+              <a:rPr lang="en-US" sz="1600" dirty="0">
+                <a:solidFill>
+                  <a:srgbClr val="FFC000"/>
+                </a:solidFill>
+                <a:cs typeface="Arial" panose="020B0604020202020204" pitchFamily="34" charset="0"/>
+              </a:rPr>
+              <a:t>■ </a:t>
+            </a:r>
+            <a:r>
+              <a:rPr lang="en-US" sz="1600" dirty="0">
+                <a:cs typeface="Arial" panose="020B0604020202020204" pitchFamily="34" charset="0"/>
+              </a:rPr>
+              <a:t>XML Schema - </a:t>
+            </a:r>
+            <a:r>
+              <a:rPr lang="en-US" sz="1600" dirty="0">
+                <a:cs typeface="Arial" panose="020B0604020202020204" pitchFamily="34" charset="0"/>
+                <a:hlinkClick r:id="rId5"/>
+              </a:rPr>
+              <a:t>https://www.w3schools.com/xml/schema_intro.asp</a:t>
+            </a:r>
+            <a:endParaRPr lang="en-US" sz="1600" dirty="0">
+              <a:cs typeface="Arial" panose="020B0604020202020204" pitchFamily="34" charset="0"/>
+            </a:endParaRPr>
+          </a:p>
+          <a:p>
+            <a:pPr>
+              <a:lnSpc>
+                <a:spcPct val="200000"/>
+              </a:lnSpc>
+              <a:spcBef>
+                <a:spcPct val="20000"/>
+              </a:spcBef>
+              <a:defRPr/>
+            </a:pPr>
+            <a:r>
+              <a:rPr lang="en-US" sz="1600" dirty="0">
+                <a:solidFill>
+                  <a:srgbClr val="FFC000"/>
+                </a:solidFill>
+                <a:cs typeface="Arial" panose="020B0604020202020204" pitchFamily="34" charset="0"/>
+              </a:rPr>
+              <a:t>■ </a:t>
+            </a:r>
+            <a:r>
+              <a:rPr lang="en-US" sz="1600" dirty="0">
+                <a:cs typeface="Arial" panose="020B0604020202020204" pitchFamily="34" charset="0"/>
+              </a:rPr>
+              <a:t>RPC - </a:t>
+            </a:r>
+            <a:r>
+              <a:rPr lang="en-US" sz="1600" dirty="0">
+                <a:cs typeface="Arial" panose="020B0604020202020204" pitchFamily="34" charset="0"/>
+                <a:hlinkClick r:id="rId6"/>
+              </a:rPr>
+              <a:t>https://www.techtarget.com/searchapparchitecture/definition/Remote-Procedure-Call-RPC</a:t>
+            </a:r>
+            <a:endParaRPr lang="en-US" sz="1600" dirty="0">
+              <a:cs typeface="Arial" panose="020B0604020202020204" pitchFamily="34" charset="0"/>
+            </a:endParaRPr>
+          </a:p>
+          <a:p>
+            <a:pPr>
+              <a:lnSpc>
+                <a:spcPct val="200000"/>
+              </a:lnSpc>
+              <a:spcBef>
+                <a:spcPct val="20000"/>
+              </a:spcBef>
+              <a:defRPr/>
+            </a:pPr>
+            <a:r>
+              <a:rPr lang="en-US" sz="1600" dirty="0">
+                <a:solidFill>
+                  <a:srgbClr val="FFC000"/>
+                </a:solidFill>
+                <a:cs typeface="Arial" panose="020B0604020202020204" pitchFamily="34" charset="0"/>
+              </a:rPr>
+              <a:t>■ </a:t>
+            </a:r>
+            <a:r>
+              <a:rPr lang="en-US" sz="1600" dirty="0">
+                <a:cs typeface="Arial" panose="020B0604020202020204" pitchFamily="34" charset="0"/>
+              </a:rPr>
+              <a:t>Docker - </a:t>
+            </a:r>
+            <a:r>
+              <a:rPr lang="en-US" sz="1600" dirty="0">
+                <a:cs typeface="Arial" panose="020B0604020202020204" pitchFamily="34" charset="0"/>
+                <a:hlinkClick r:id="rId7"/>
+              </a:rPr>
+              <a:t>https://docs.docker.com/get-started/overview/</a:t>
+            </a:r>
+          </a:p>
+          <a:p>
+            <a:pPr>
+              <a:lnSpc>
+                <a:spcPct val="200000"/>
+              </a:lnSpc>
+              <a:spcBef>
+                <a:spcPct val="20000"/>
+              </a:spcBef>
+              <a:defRPr/>
+            </a:pPr>
+            <a:r>
+              <a:rPr lang="en-US" sz="1600" dirty="0">
+                <a:solidFill>
+                  <a:srgbClr val="FFC000"/>
+                </a:solidFill>
+                <a:cs typeface="Arial" panose="020B0604020202020204" pitchFamily="34" charset="0"/>
+              </a:rPr>
+              <a:t>■ </a:t>
+            </a:r>
+            <a:r>
+              <a:rPr lang="en-US" sz="1600" dirty="0">
+                <a:cs typeface="Arial" panose="020B0604020202020204" pitchFamily="34" charset="0"/>
+              </a:rPr>
+              <a:t>IA ChatGPT - </a:t>
+            </a:r>
+            <a:r>
+              <a:rPr lang="en-US" sz="1600" dirty="0">
+                <a:cs typeface="Arial" panose="020B0604020202020204" pitchFamily="34" charset="0"/>
+                <a:hlinkClick r:id="rId7"/>
+              </a:rPr>
+              <a:t>https://chat.openai.com/</a:t>
+            </a:r>
+            <a:endParaRPr lang="en-US" sz="1600" dirty="0">
+              <a:cs typeface="Arial" panose="020B0604020202020204" pitchFamily="34" charset="0"/>
+            </a:endParaRPr>
+          </a:p>
+        </p:txBody>
+      </p:sp>
+      <p:pic>
+        <p:nvPicPr>
+          <p:cNvPr id="15" name="Imagem 14">
+            <a:extLst>
+              <a:ext uri="{FF2B5EF4-FFF2-40B4-BE49-F238E27FC236}">
+                <a16:creationId xmlns:a16="http://schemas.microsoft.com/office/drawing/2014/main" id="{5DEBD917-885F-4E14-9AAA-FA7433880DF4}"/>
+              </a:ext>
+            </a:extLst>
+          </p:cNvPr>
+          <p:cNvPicPr>
+            <a:picLocks noChangeAspect="1"/>
+          </p:cNvPicPr>
+          <p:nvPr/>
+        </p:nvPicPr>
+        <p:blipFill>
+          <a:blip r:embed="rId8"/>
+          <a:stretch>
+            <a:fillRect/>
+          </a:stretch>
+        </p:blipFill>
+        <p:spPr>
+          <a:xfrm>
+            <a:off x="101225" y="904241"/>
+            <a:ext cx="9014192" cy="266482"/>
+          </a:xfrm>
+          <a:prstGeom prst="rect">
+            <a:avLst/>
+          </a:prstGeom>
+        </p:spPr>
+      </p:pic>
+      <p:pic>
+        <p:nvPicPr>
+          <p:cNvPr id="28" name="Imagem 27">
+            <a:extLst>
+              <a:ext uri="{FF2B5EF4-FFF2-40B4-BE49-F238E27FC236}">
+                <a16:creationId xmlns:a16="http://schemas.microsoft.com/office/drawing/2014/main" id="{BC0DA002-1D3A-41DC-B132-1A198053902D}"/>
+              </a:ext>
+            </a:extLst>
+          </p:cNvPr>
+          <p:cNvPicPr>
+            <a:picLocks noChangeAspect="1"/>
+          </p:cNvPicPr>
+          <p:nvPr/>
+        </p:nvPicPr>
+        <p:blipFill>
+          <a:blip r:embed="rId9" cstate="print">
+            <a:extLst>
+              <a:ext uri="{28A0092B-C50C-407E-A947-70E740481C1C}">
+                <a14:useLocalDpi xmlns:a14="http://schemas.microsoft.com/office/drawing/2010/main" val="0"/>
+              </a:ext>
+            </a:extLst>
+          </a:blip>
+          <a:stretch>
+            <a:fillRect/>
+          </a:stretch>
+        </p:blipFill>
+        <p:spPr>
+          <a:xfrm>
+            <a:off x="6575316" y="9186"/>
+            <a:ext cx="2575034" cy="639880"/>
+          </a:xfrm>
+          <a:prstGeom prst="rect">
+            <a:avLst/>
+          </a:prstGeom>
+        </p:spPr>
+      </p:pic>
+      <p:sp>
+        <p:nvSpPr>
+          <p:cNvPr id="2" name="Text Box 10">
+            <a:extLst>
+              <a:ext uri="{FF2B5EF4-FFF2-40B4-BE49-F238E27FC236}">
+                <a16:creationId xmlns:a16="http://schemas.microsoft.com/office/drawing/2014/main" id="{1204D73C-759C-3E01-1E9B-19D68FC71E2A}"/>
+              </a:ext>
+            </a:extLst>
+          </p:cNvPr>
+          <p:cNvSpPr txBox="1">
+            <a:spLocks noChangeArrowheads="1"/>
+          </p:cNvSpPr>
+          <p:nvPr/>
+        </p:nvSpPr>
+        <p:spPr bwMode="auto">
+          <a:xfrm>
+            <a:off x="8288338" y="6296025"/>
+            <a:ext cx="827087" cy="366713"/>
+          </a:xfrm>
+          <a:prstGeom prst="rect">
+            <a:avLst/>
+          </a:prstGeom>
+          <a:noFill/>
+          <a:ln w="9525">
+            <a:noFill/>
+            <a:miter lim="800000"/>
+            <a:headEnd/>
+            <a:tailEnd/>
+          </a:ln>
+        </p:spPr>
+        <p:txBody>
+          <a:bodyPr>
+            <a:spAutoFit/>
+          </a:bodyPr>
+          <a:lstStyle/>
+          <a:p>
+            <a:pPr>
+              <a:spcBef>
+                <a:spcPct val="50000"/>
+              </a:spcBef>
+            </a:pPr>
+            <a:endParaRPr lang="pt-PT"/>
+          </a:p>
+        </p:txBody>
+      </p:sp>
+      <p:sp>
+        <p:nvSpPr>
+          <p:cNvPr id="3" name="Rectangle 11">
+            <a:extLst>
+              <a:ext uri="{FF2B5EF4-FFF2-40B4-BE49-F238E27FC236}">
+                <a16:creationId xmlns:a16="http://schemas.microsoft.com/office/drawing/2014/main" id="{66F8E842-06BB-5B20-ECE1-C729A90ED05D}"/>
+              </a:ext>
+            </a:extLst>
+          </p:cNvPr>
+          <p:cNvSpPr>
+            <a:spLocks noChangeArrowheads="1"/>
+          </p:cNvSpPr>
+          <p:nvPr/>
+        </p:nvSpPr>
+        <p:spPr bwMode="auto">
+          <a:xfrm>
+            <a:off x="8327571" y="6496091"/>
+            <a:ext cx="936625" cy="260350"/>
+          </a:xfrm>
+          <a:prstGeom prst="rect">
+            <a:avLst/>
+          </a:prstGeom>
+          <a:noFill/>
+          <a:ln w="9525">
+            <a:noFill/>
+            <a:miter lim="800000"/>
+            <a:headEnd/>
+            <a:tailEnd/>
+          </a:ln>
+        </p:spPr>
+        <p:txBody>
+          <a:bodyPr anchor="ctr"/>
+          <a:lstStyle/>
+          <a:p>
+            <a:pPr algn="ctr"/>
+            <a:r>
+              <a:rPr lang="pt-PT" sz="1000" dirty="0"/>
+              <a:t>- </a:t>
+            </a:r>
+            <a:fld id="{1234D2FF-8FB9-47A1-B8C9-42A5F500BA2F}" type="slidenum">
+              <a:rPr lang="pt-PT" sz="1000"/>
+              <a:pPr algn="ctr"/>
+              <a:t>6</a:t>
+            </a:fld>
+            <a:r>
+              <a:rPr lang="pt-PT" sz="1000" dirty="0"/>
+              <a:t> -</a:t>
+            </a:r>
+          </a:p>
+        </p:txBody>
+      </p:sp>
+      <p:pic>
+        <p:nvPicPr>
+          <p:cNvPr id="4" name="Imagem 3">
+            <a:extLst>
+              <a:ext uri="{FF2B5EF4-FFF2-40B4-BE49-F238E27FC236}">
+                <a16:creationId xmlns:a16="http://schemas.microsoft.com/office/drawing/2014/main" id="{8E16A8DF-702E-2F9F-FC6A-BBE9CEF5C36F}"/>
+              </a:ext>
+            </a:extLst>
+          </p:cNvPr>
+          <p:cNvPicPr>
+            <a:picLocks noChangeAspect="1"/>
+          </p:cNvPicPr>
+          <p:nvPr/>
+        </p:nvPicPr>
+        <p:blipFill>
+          <a:blip r:embed="rId10"/>
+          <a:stretch>
+            <a:fillRect/>
+          </a:stretch>
+        </p:blipFill>
+        <p:spPr>
+          <a:xfrm>
+            <a:off x="0" y="6320212"/>
+            <a:ext cx="9144000" cy="253252"/>
+          </a:xfrm>
+          <a:prstGeom prst="rect">
+            <a:avLst/>
+          </a:prstGeom>
+        </p:spPr>
+      </p:pic>
+      <p:pic>
+        <p:nvPicPr>
+          <p:cNvPr id="5" name="Imagem 4">
+            <a:extLst>
+              <a:ext uri="{FF2B5EF4-FFF2-40B4-BE49-F238E27FC236}">
+                <a16:creationId xmlns:a16="http://schemas.microsoft.com/office/drawing/2014/main" id="{6678794F-9054-EA7B-B1E0-DF67F1547B87}"/>
+              </a:ext>
+            </a:extLst>
+          </p:cNvPr>
+          <p:cNvPicPr>
+            <a:picLocks noChangeAspect="1"/>
+          </p:cNvPicPr>
+          <p:nvPr/>
+        </p:nvPicPr>
+        <p:blipFill>
+          <a:blip r:embed="rId11" cstate="print">
+            <a:extLst>
+              <a:ext uri="{28A0092B-C50C-407E-A947-70E740481C1C}">
+                <a14:useLocalDpi xmlns:a14="http://schemas.microsoft.com/office/drawing/2010/main" val="0"/>
+              </a:ext>
+            </a:extLst>
+          </a:blip>
+          <a:stretch>
+            <a:fillRect/>
+          </a:stretch>
+        </p:blipFill>
+        <p:spPr>
+          <a:xfrm>
+            <a:off x="238125" y="6488336"/>
+            <a:ext cx="545959" cy="199802"/>
+          </a:xfrm>
+          <a:prstGeom prst="rect">
+            <a:avLst/>
+          </a:prstGeom>
+        </p:spPr>
+      </p:pic>
+      <p:sp>
+        <p:nvSpPr>
+          <p:cNvPr id="8" name="Text Box 21">
+            <a:extLst>
+              <a:ext uri="{FF2B5EF4-FFF2-40B4-BE49-F238E27FC236}">
+                <a16:creationId xmlns:a16="http://schemas.microsoft.com/office/drawing/2014/main" id="{F4BB6CF2-DEBC-A61C-8393-BAA3152FA438}"/>
+              </a:ext>
+            </a:extLst>
+          </p:cNvPr>
+          <p:cNvSpPr txBox="1">
+            <a:spLocks noChangeArrowheads="1"/>
+          </p:cNvSpPr>
+          <p:nvPr/>
+        </p:nvSpPr>
+        <p:spPr bwMode="auto">
+          <a:xfrm>
+            <a:off x="371476" y="169862"/>
+            <a:ext cx="6138752" cy="276999"/>
+          </a:xfrm>
+          <a:prstGeom prst="rect">
+            <a:avLst/>
+          </a:prstGeom>
+          <a:noFill/>
+          <a:ln w="9525">
+            <a:noFill/>
+            <a:miter lim="800000"/>
+            <a:headEnd/>
+            <a:tailEnd/>
+          </a:ln>
+          <a:effectLst/>
+        </p:spPr>
+        <p:txBody>
+          <a:bodyPr wrap="square">
+            <a:spAutoFit/>
+          </a:bodyPr>
+          <a:lstStyle/>
+          <a:p>
+            <a:pPr>
+              <a:spcBef>
+                <a:spcPct val="50000"/>
+              </a:spcBef>
+              <a:defRPr/>
+            </a:pPr>
+            <a:r>
+              <a:rPr lang="pt-PT" sz="1200" b="1" dirty="0">
+                <a:effectLst>
+                  <a:outerShdw blurRad="38100" dist="38100" dir="2700000" algn="tl">
+                    <a:srgbClr val="C0C0C0"/>
+                  </a:outerShdw>
+                </a:effectLst>
+                <a:latin typeface="Arial" charset="0"/>
+              </a:rPr>
+              <a:t>INTEGRAÇÃO DE SISTEMAS – TRABALHO PRÁTICO 1-B - Sistemas Distribuídos </a:t>
+            </a:r>
+          </a:p>
+        </p:txBody>
+      </p:sp>
+      <p:sp>
+        <p:nvSpPr>
           <p:cNvPr id="9" name="Rectângulo 19">
             <a:extLst>
               <a:ext uri="{FF2B5EF4-FFF2-40B4-BE49-F238E27FC236}">
@@ -7927,7 +10246,7 @@
 </p:sld>
 </file>
 
-<file path=ppt/slides/slide5.xml><?xml version="1.0" encoding="utf-8"?>
+<file path=ppt/slides/slide7.xml><?xml version="1.0" encoding="utf-8"?>
 <p:sld xmlns:a="http://schemas.openxmlformats.org/drawingml/2006/main" xmlns:r="http://schemas.openxmlformats.org/officeDocument/2006/relationships" xmlns:p="http://schemas.openxmlformats.org/presentationml/2006/main">
   <p:cSld>
     <p:spTree>
